--- a/Sesión_1/Actividad.pptx
+++ b/Sesión_1/Actividad.pptx
@@ -158,6 +158,14 @@
     </p:ext>
   </p:extLst>
 </p:presentation>
+</file>
+
+<file path=ppt/revisionInfo.xml><?xml version="1.0" encoding="utf-8"?>
+<p1510:revInfo xmlns:a="http://schemas.openxmlformats.org/drawingml/2006/main" xmlns:r="http://schemas.openxmlformats.org/officeDocument/2006/relationships" xmlns:p1510="http://schemas.microsoft.com/office/powerpoint/2015/10/main">
+  <p1510:revLst>
+    <p1510:client id="{3CBAB24D-24CD-4EF7-ADA3-B0C8AACED620}" v="5" dt="2025-01-04T23:15:15.482"/>
+  </p1510:revLst>
+</p1510:revInfo>
 </file>
 
 <file path=ppt/changesInfos/changesInfo1.xml><?xml version="1.0" encoding="utf-8"?>
@@ -707,8 +715,8 @@
   </pc:docChgLst>
   <pc:docChgLst>
     <pc:chgData name="JHEYSON FABIAN VILLAVISAN BUITRAGO" userId="e5ced5c2-d787-455d-b115-4f08a699b8c8" providerId="ADAL" clId="{3CBAB24D-24CD-4EF7-ADA3-B0C8AACED620}"/>
-    <pc:docChg chg="delSld modSld modSection">
-      <pc:chgData name="JHEYSON FABIAN VILLAVISAN BUITRAGO" userId="e5ced5c2-d787-455d-b115-4f08a699b8c8" providerId="ADAL" clId="{3CBAB24D-24CD-4EF7-ADA3-B0C8AACED620}" dt="2025-01-03T19:37:19.234" v="38" actId="20577"/>
+    <pc:docChg chg="custSel delSld modSld modSection">
+      <pc:chgData name="JHEYSON FABIAN VILLAVISAN BUITRAGO" userId="e5ced5c2-d787-455d-b115-4f08a699b8c8" providerId="ADAL" clId="{3CBAB24D-24CD-4EF7-ADA3-B0C8AACED620}" dt="2025-01-04T23:15:28.675" v="51" actId="20577"/>
       <pc:docMkLst>
         <pc:docMk/>
       </pc:docMkLst>
@@ -755,7 +763,7 @@
         </pc:sldMkLst>
       </pc:sldChg>
       <pc:sldChg chg="modSp mod">
-        <pc:chgData name="JHEYSON FABIAN VILLAVISAN BUITRAGO" userId="e5ced5c2-d787-455d-b115-4f08a699b8c8" providerId="ADAL" clId="{3CBAB24D-24CD-4EF7-ADA3-B0C8AACED620}" dt="2025-01-03T19:37:11.124" v="15" actId="20577"/>
+        <pc:chgData name="JHEYSON FABIAN VILLAVISAN BUITRAGO" userId="e5ced5c2-d787-455d-b115-4f08a699b8c8" providerId="ADAL" clId="{3CBAB24D-24CD-4EF7-ADA3-B0C8AACED620}" dt="2025-01-04T23:15:26.310" v="50" actId="20577"/>
         <pc:sldMkLst>
           <pc:docMk/>
           <pc:sldMk cId="1406170200" sldId="281"/>
@@ -766,6 +774,14 @@
             <pc:docMk/>
             <pc:sldMk cId="1406170200" sldId="281"/>
             <ac:spMk id="2" creationId="{FB1B6180-BCA0-4F51-9F68-9E5BAB8A4FDC}"/>
+          </ac:spMkLst>
+        </pc:spChg>
+        <pc:spChg chg="mod">
+          <ac:chgData name="JHEYSON FABIAN VILLAVISAN BUITRAGO" userId="e5ced5c2-d787-455d-b115-4f08a699b8c8" providerId="ADAL" clId="{3CBAB24D-24CD-4EF7-ADA3-B0C8AACED620}" dt="2025-01-04T23:15:26.310" v="50" actId="20577"/>
+          <ac:spMkLst>
+            <pc:docMk/>
+            <pc:sldMk cId="1406170200" sldId="281"/>
+            <ac:spMk id="10" creationId="{AF4E183E-A171-4923-A99E-D149888CEC37}"/>
           </ac:spMkLst>
         </pc:spChg>
       </pc:sldChg>
@@ -791,7 +807,7 @@
         </pc:sldMkLst>
       </pc:sldChg>
       <pc:sldChg chg="modSp mod">
-        <pc:chgData name="JHEYSON FABIAN VILLAVISAN BUITRAGO" userId="e5ced5c2-d787-455d-b115-4f08a699b8c8" providerId="ADAL" clId="{3CBAB24D-24CD-4EF7-ADA3-B0C8AACED620}" dt="2025-01-03T19:37:19.234" v="38" actId="20577"/>
+        <pc:chgData name="JHEYSON FABIAN VILLAVISAN BUITRAGO" userId="e5ced5c2-d787-455d-b115-4f08a699b8c8" providerId="ADAL" clId="{3CBAB24D-24CD-4EF7-ADA3-B0C8AACED620}" dt="2025-01-04T23:15:28.675" v="51" actId="20577"/>
         <pc:sldMkLst>
           <pc:docMk/>
           <pc:sldMk cId="2009991203" sldId="286"/>
@@ -804,6 +820,14 @@
             <ac:spMk id="2" creationId="{FB1B6180-BCA0-4F51-9F68-9E5BAB8A4FDC}"/>
           </ac:spMkLst>
         </pc:spChg>
+        <pc:spChg chg="mod">
+          <ac:chgData name="JHEYSON FABIAN VILLAVISAN BUITRAGO" userId="e5ced5c2-d787-455d-b115-4f08a699b8c8" providerId="ADAL" clId="{3CBAB24D-24CD-4EF7-ADA3-B0C8AACED620}" dt="2025-01-04T23:15:28.675" v="51" actId="20577"/>
+          <ac:spMkLst>
+            <pc:docMk/>
+            <pc:sldMk cId="2009991203" sldId="286"/>
+            <ac:spMk id="10" creationId="{AF4E183E-A171-4923-A99E-D149888CEC37}"/>
+          </ac:spMkLst>
+        </pc:spChg>
       </pc:sldChg>
       <pc:sldChg chg="del">
         <pc:chgData name="JHEYSON FABIAN VILLAVISAN BUITRAGO" userId="e5ced5c2-d787-455d-b115-4f08a699b8c8" providerId="ADAL" clId="{3CBAB24D-24CD-4EF7-ADA3-B0C8AACED620}" dt="2025-01-03T19:37:04.422" v="14" actId="47"/>
@@ -811,6 +835,61 @@
           <pc:docMk/>
           <pc:sldMk cId="1989227391" sldId="287"/>
         </pc:sldMkLst>
+      </pc:sldChg>
+      <pc:sldChg chg="addSp delSp modSp mod">
+        <pc:chgData name="JHEYSON FABIAN VILLAVISAN BUITRAGO" userId="e5ced5c2-d787-455d-b115-4f08a699b8c8" providerId="ADAL" clId="{3CBAB24D-24CD-4EF7-ADA3-B0C8AACED620}" dt="2025-01-04T23:15:19.757" v="45" actId="20577"/>
+        <pc:sldMkLst>
+          <pc:docMk/>
+          <pc:sldMk cId="2965408220" sldId="288"/>
+        </pc:sldMkLst>
+        <pc:spChg chg="add mod">
+          <ac:chgData name="JHEYSON FABIAN VILLAVISAN BUITRAGO" userId="e5ced5c2-d787-455d-b115-4f08a699b8c8" providerId="ADAL" clId="{3CBAB24D-24CD-4EF7-ADA3-B0C8AACED620}" dt="2025-01-04T23:15:03.967" v="41"/>
+          <ac:spMkLst>
+            <pc:docMk/>
+            <pc:sldMk cId="2965408220" sldId="288"/>
+            <ac:spMk id="2" creationId="{D2B462E8-0AE3-232A-6B48-16166D3F530F}"/>
+          </ac:spMkLst>
+        </pc:spChg>
+        <pc:spChg chg="add mod">
+          <ac:chgData name="JHEYSON FABIAN VILLAVISAN BUITRAGO" userId="e5ced5c2-d787-455d-b115-4f08a699b8c8" providerId="ADAL" clId="{3CBAB24D-24CD-4EF7-ADA3-B0C8AACED620}" dt="2025-01-04T23:15:15.482" v="44"/>
+          <ac:spMkLst>
+            <pc:docMk/>
+            <pc:sldMk cId="2965408220" sldId="288"/>
+            <ac:spMk id="7" creationId="{AF7EF352-AB60-8713-979F-4C448C42F111}"/>
+          </ac:spMkLst>
+        </pc:spChg>
+        <pc:spChg chg="del">
+          <ac:chgData name="JHEYSON FABIAN VILLAVISAN BUITRAGO" userId="e5ced5c2-d787-455d-b115-4f08a699b8c8" providerId="ADAL" clId="{3CBAB24D-24CD-4EF7-ADA3-B0C8AACED620}" dt="2025-01-04T23:15:11.615" v="43" actId="478"/>
+          <ac:spMkLst>
+            <pc:docMk/>
+            <pc:sldMk cId="2965408220" sldId="288"/>
+            <ac:spMk id="8" creationId="{5932E3F1-24A7-A01F-0773-6237BD556E80}"/>
+          </ac:spMkLst>
+        </pc:spChg>
+        <pc:spChg chg="mod">
+          <ac:chgData name="JHEYSON FABIAN VILLAVISAN BUITRAGO" userId="e5ced5c2-d787-455d-b115-4f08a699b8c8" providerId="ADAL" clId="{3CBAB24D-24CD-4EF7-ADA3-B0C8AACED620}" dt="2025-01-04T23:15:19.757" v="45" actId="20577"/>
+          <ac:spMkLst>
+            <pc:docMk/>
+            <pc:sldMk cId="2965408220" sldId="288"/>
+            <ac:spMk id="11266" creationId="{74AD047A-E86C-4E92-874D-BAA043AB0B46}"/>
+          </ac:spMkLst>
+        </pc:spChg>
+        <pc:graphicFrameChg chg="add mod">
+          <ac:chgData name="JHEYSON FABIAN VILLAVISAN BUITRAGO" userId="e5ced5c2-d787-455d-b115-4f08a699b8c8" providerId="ADAL" clId="{3CBAB24D-24CD-4EF7-ADA3-B0C8AACED620}" dt="2025-01-04T23:15:08.257" v="42"/>
+          <ac:graphicFrameMkLst>
+            <pc:docMk/>
+            <pc:sldMk cId="2965408220" sldId="288"/>
+            <ac:graphicFrameMk id="3" creationId="{674EB332-90A8-52A5-68D7-6C6FB8DDBD00}"/>
+          </ac:graphicFrameMkLst>
+        </pc:graphicFrameChg>
+        <pc:graphicFrameChg chg="del modGraphic">
+          <ac:chgData name="JHEYSON FABIAN VILLAVISAN BUITRAGO" userId="e5ced5c2-d787-455d-b115-4f08a699b8c8" providerId="ADAL" clId="{3CBAB24D-24CD-4EF7-ADA3-B0C8AACED620}" dt="2025-01-04T23:15:02.831" v="40" actId="478"/>
+          <ac:graphicFrameMkLst>
+            <pc:docMk/>
+            <pc:sldMk cId="2965408220" sldId="288"/>
+            <ac:graphicFrameMk id="6" creationId="{EAFA30B9-B74F-C807-F5CF-91ADE1B5A28F}"/>
+          </ac:graphicFrameMkLst>
+        </pc:graphicFrameChg>
       </pc:sldChg>
       <pc:sldChg chg="del">
         <pc:chgData name="JHEYSON FABIAN VILLAVISAN BUITRAGO" userId="e5ced5c2-d787-455d-b115-4f08a699b8c8" providerId="ADAL" clId="{3CBAB24D-24CD-4EF7-ADA3-B0C8AACED620}" dt="2025-01-03T19:36:55.444" v="7" actId="47"/>
@@ -1129,7 +1208,7 @@
               <a:pPr>
                 <a:defRPr/>
               </a:pPr>
-              <a:t>3/01/2025</a:t>
+              <a:t>4/01/2025</a:t>
             </a:fld>
             <a:endParaRPr lang="es-CO"/>
           </a:p>
@@ -1372,7 +1451,7 @@
               <a:pPr>
                 <a:defRPr/>
               </a:pPr>
-              <a:t>3/01/2025</a:t>
+              <a:t>4/01/2025</a:t>
             </a:fld>
             <a:endParaRPr lang="es-CO"/>
           </a:p>
@@ -2628,7 +2707,7 @@
           <a:p>
             <a:fld id="{9CF7635E-2D71-42E7-9E6C-FBB85A15A85F}" type="datetimeFigureOut">
               <a:rPr lang="es-CO" smtClean="0"/>
-              <a:t>3/01/2025</a:t>
+              <a:t>4/01/2025</a:t>
             </a:fld>
             <a:endParaRPr lang="es-CO"/>
           </a:p>
@@ -2894,7 +2973,7 @@
           <a:p>
             <a:fld id="{9CF7635E-2D71-42E7-9E6C-FBB85A15A85F}" type="datetimeFigureOut">
               <a:rPr lang="es-CO" smtClean="0"/>
-              <a:t>3/01/2025</a:t>
+              <a:t>4/01/2025</a:t>
             </a:fld>
             <a:endParaRPr lang="es-CO"/>
           </a:p>
@@ -3110,7 +3189,7 @@
           <a:p>
             <a:fld id="{9CF7635E-2D71-42E7-9E6C-FBB85A15A85F}" type="datetimeFigureOut">
               <a:rPr lang="es-CO" smtClean="0"/>
-              <a:t>3/01/2025</a:t>
+              <a:t>4/01/2025</a:t>
             </a:fld>
             <a:endParaRPr lang="es-CO"/>
           </a:p>
@@ -4739,7 +4818,7 @@
           <a:p>
             <a:fld id="{9CF7635E-2D71-42E7-9E6C-FBB85A15A85F}" type="datetimeFigureOut">
               <a:rPr lang="es-CO" smtClean="0"/>
-              <a:t>3/01/2025</a:t>
+              <a:t>4/01/2025</a:t>
             </a:fld>
             <a:endParaRPr lang="es-CO"/>
           </a:p>
@@ -5186,7 +5265,7 @@
           <a:p>
             <a:fld id="{9CF7635E-2D71-42E7-9E6C-FBB85A15A85F}" type="datetimeFigureOut">
               <a:rPr lang="es-CO" smtClean="0"/>
-              <a:t>3/01/2025</a:t>
+              <a:t>4/01/2025</a:t>
             </a:fld>
             <a:endParaRPr lang="es-CO"/>
           </a:p>
@@ -5460,7 +5539,7 @@
           <a:p>
             <a:fld id="{9CF7635E-2D71-42E7-9E6C-FBB85A15A85F}" type="datetimeFigureOut">
               <a:rPr lang="es-CO" smtClean="0"/>
-              <a:t>3/01/2025</a:t>
+              <a:t>4/01/2025</a:t>
             </a:fld>
             <a:endParaRPr lang="es-CO"/>
           </a:p>
@@ -5881,7 +5960,7 @@
           <a:p>
             <a:fld id="{9CF7635E-2D71-42E7-9E6C-FBB85A15A85F}" type="datetimeFigureOut">
               <a:rPr lang="es-CO" smtClean="0"/>
-              <a:t>3/01/2025</a:t>
+              <a:t>4/01/2025</a:t>
             </a:fld>
             <a:endParaRPr lang="es-CO"/>
           </a:p>
@@ -6029,7 +6108,7 @@
           <a:p>
             <a:fld id="{9CF7635E-2D71-42E7-9E6C-FBB85A15A85F}" type="datetimeFigureOut">
               <a:rPr lang="es-CO" smtClean="0"/>
-              <a:t>3/01/2025</a:t>
+              <a:t>4/01/2025</a:t>
             </a:fld>
             <a:endParaRPr lang="es-CO"/>
           </a:p>
@@ -6148,7 +6227,7 @@
           <a:p>
             <a:fld id="{9CF7635E-2D71-42E7-9E6C-FBB85A15A85F}" type="datetimeFigureOut">
               <a:rPr lang="es-CO" smtClean="0"/>
-              <a:t>3/01/2025</a:t>
+              <a:t>4/01/2025</a:t>
             </a:fld>
             <a:endParaRPr lang="es-CO"/>
           </a:p>
@@ -6467,7 +6546,7 @@
           <a:p>
             <a:fld id="{9CF7635E-2D71-42E7-9E6C-FBB85A15A85F}" type="datetimeFigureOut">
               <a:rPr lang="es-CO" smtClean="0"/>
-              <a:t>3/01/2025</a:t>
+              <a:t>4/01/2025</a:t>
             </a:fld>
             <a:endParaRPr lang="es-CO"/>
           </a:p>
@@ -6762,7 +6841,7 @@
           <a:p>
             <a:fld id="{9CF7635E-2D71-42E7-9E6C-FBB85A15A85F}" type="datetimeFigureOut">
               <a:rPr lang="es-CO" smtClean="0"/>
-              <a:t>3/01/2025</a:t>
+              <a:t>4/01/2025</a:t>
             </a:fld>
             <a:endParaRPr lang="es-CO"/>
           </a:p>
@@ -7011,7 +7090,7 @@
           <a:p>
             <a:fld id="{9CF7635E-2D71-42E7-9E6C-FBB85A15A85F}" type="datetimeFigureOut">
               <a:rPr lang="es-CO" smtClean="0"/>
-              <a:t>3/01/2025</a:t>
+              <a:t>4/01/2025</a:t>
             </a:fld>
             <a:endParaRPr lang="es-CO"/>
           </a:p>
@@ -8105,7 +8184,7 @@
             <a:pPr algn="ctr" eaLnBrk="1" hangingPunct="1"/>
             <a:r>
               <a:rPr lang="es-CO" altLang="es-CO" sz="3600" dirty="0"/>
-              <a:t>3</a:t>
+              <a:t>2</a:t>
             </a:r>
           </a:p>
         </p:txBody>
@@ -8198,224 +8277,6 @@
       </p:pic>
       <p:sp>
         <p:nvSpPr>
-          <p:cNvPr id="8" name="Rectángulo 9">
-            <a:extLst>
-              <a:ext uri="{FF2B5EF4-FFF2-40B4-BE49-F238E27FC236}">
-                <a16:creationId xmlns:a16="http://schemas.microsoft.com/office/drawing/2014/main" id="{5932E3F1-24A7-A01F-0773-6237BD556E80}"/>
-              </a:ext>
-            </a:extLst>
-          </p:cNvPr>
-          <p:cNvSpPr>
-            <a:spLocks noChangeArrowheads="1"/>
-          </p:cNvSpPr>
-          <p:nvPr/>
-        </p:nvSpPr>
-        <p:spPr bwMode="auto">
-          <a:xfrm>
-            <a:off x="4290307" y="6469716"/>
-            <a:ext cx="4010025" cy="430887"/>
-          </a:xfrm>
-          <a:prstGeom prst="rect">
-            <a:avLst/>
-          </a:prstGeom>
-          <a:noFill/>
-          <a:ln>
-            <a:noFill/>
-          </a:ln>
-          <a:extLst>
-            <a:ext uri="{909E8E84-426E-40DD-AFC4-6F175D3DCCD1}">
-              <a14:hiddenFill xmlns:a14="http://schemas.microsoft.com/office/drawing/2010/main">
-                <a:solidFill>
-                  <a:srgbClr val="FFFFFF"/>
-                </a:solidFill>
-              </a14:hiddenFill>
-            </a:ext>
-            <a:ext uri="{91240B29-F687-4F45-9708-019B960494DF}">
-              <a14:hiddenLine xmlns:a14="http://schemas.microsoft.com/office/drawing/2010/main" w="9525">
-                <a:solidFill>
-                  <a:srgbClr val="000000"/>
-                </a:solidFill>
-                <a:miter lim="800000"/>
-                <a:headEnd/>
-                <a:tailEnd/>
-              </a14:hiddenLine>
-            </a:ext>
-          </a:extLst>
-        </p:spPr>
-        <p:txBody>
-          <a:bodyPr>
-            <a:spAutoFit/>
-          </a:bodyPr>
-          <a:lstStyle>
-            <a:lvl1pPr>
-              <a:spcBef>
-                <a:spcPct val="20000"/>
-              </a:spcBef>
-              <a:buFont typeface="Arial" panose="020B0604020202020204" pitchFamily="34" charset="0"/>
-              <a:buChar char="•"/>
-              <a:defRPr sz="3200">
-                <a:solidFill>
-                  <a:schemeClr val="tx1"/>
-                </a:solidFill>
-                <a:latin typeface="Arial" panose="020B0604020202020204" pitchFamily="34" charset="0"/>
-                <a:cs typeface="Arial" panose="020B0604020202020204" pitchFamily="34" charset="0"/>
-              </a:defRPr>
-            </a:lvl1pPr>
-            <a:lvl2pPr marL="742950" indent="-285750">
-              <a:spcBef>
-                <a:spcPct val="20000"/>
-              </a:spcBef>
-              <a:buFont typeface="Arial" panose="020B0604020202020204" pitchFamily="34" charset="0"/>
-              <a:buChar char="–"/>
-              <a:defRPr sz="2800">
-                <a:solidFill>
-                  <a:schemeClr val="tx1"/>
-                </a:solidFill>
-                <a:latin typeface="Arial" panose="020B0604020202020204" pitchFamily="34" charset="0"/>
-                <a:cs typeface="Arial" panose="020B0604020202020204" pitchFamily="34" charset="0"/>
-              </a:defRPr>
-            </a:lvl2pPr>
-            <a:lvl3pPr marL="1143000" indent="-228600">
-              <a:spcBef>
-                <a:spcPct val="20000"/>
-              </a:spcBef>
-              <a:buFont typeface="Arial" panose="020B0604020202020204" pitchFamily="34" charset="0"/>
-              <a:buChar char="•"/>
-              <a:defRPr sz="2400">
-                <a:solidFill>
-                  <a:schemeClr val="tx1"/>
-                </a:solidFill>
-                <a:latin typeface="Arial" panose="020B0604020202020204" pitchFamily="34" charset="0"/>
-                <a:cs typeface="Arial" panose="020B0604020202020204" pitchFamily="34" charset="0"/>
-              </a:defRPr>
-            </a:lvl3pPr>
-            <a:lvl4pPr marL="1600200" indent="-228600">
-              <a:spcBef>
-                <a:spcPct val="20000"/>
-              </a:spcBef>
-              <a:buFont typeface="Arial" panose="020B0604020202020204" pitchFamily="34" charset="0"/>
-              <a:buChar char="–"/>
-              <a:defRPr sz="2000">
-                <a:solidFill>
-                  <a:schemeClr val="tx1"/>
-                </a:solidFill>
-                <a:latin typeface="Arial" panose="020B0604020202020204" pitchFamily="34" charset="0"/>
-                <a:cs typeface="Arial" panose="020B0604020202020204" pitchFamily="34" charset="0"/>
-              </a:defRPr>
-            </a:lvl4pPr>
-            <a:lvl5pPr marL="2057400" indent="-228600">
-              <a:spcBef>
-                <a:spcPct val="20000"/>
-              </a:spcBef>
-              <a:buFont typeface="Arial" panose="020B0604020202020204" pitchFamily="34" charset="0"/>
-              <a:buChar char="»"/>
-              <a:defRPr sz="2000">
-                <a:solidFill>
-                  <a:schemeClr val="tx1"/>
-                </a:solidFill>
-                <a:latin typeface="Arial" panose="020B0604020202020204" pitchFamily="34" charset="0"/>
-                <a:cs typeface="Arial" panose="020B0604020202020204" pitchFamily="34" charset="0"/>
-              </a:defRPr>
-            </a:lvl5pPr>
-            <a:lvl6pPr marL="2514600" indent="-228600" eaLnBrk="0" fontAlgn="base" hangingPunct="0">
-              <a:spcBef>
-                <a:spcPct val="20000"/>
-              </a:spcBef>
-              <a:spcAft>
-                <a:spcPct val="0"/>
-              </a:spcAft>
-              <a:buFont typeface="Arial" panose="020B0604020202020204" pitchFamily="34" charset="0"/>
-              <a:buChar char="»"/>
-              <a:defRPr sz="2000">
-                <a:solidFill>
-                  <a:schemeClr val="tx1"/>
-                </a:solidFill>
-                <a:latin typeface="Arial" panose="020B0604020202020204" pitchFamily="34" charset="0"/>
-                <a:cs typeface="Arial" panose="020B0604020202020204" pitchFamily="34" charset="0"/>
-              </a:defRPr>
-            </a:lvl6pPr>
-            <a:lvl7pPr marL="2971800" indent="-228600" eaLnBrk="0" fontAlgn="base" hangingPunct="0">
-              <a:spcBef>
-                <a:spcPct val="20000"/>
-              </a:spcBef>
-              <a:spcAft>
-                <a:spcPct val="0"/>
-              </a:spcAft>
-              <a:buFont typeface="Arial" panose="020B0604020202020204" pitchFamily="34" charset="0"/>
-              <a:buChar char="»"/>
-              <a:defRPr sz="2000">
-                <a:solidFill>
-                  <a:schemeClr val="tx1"/>
-                </a:solidFill>
-                <a:latin typeface="Arial" panose="020B0604020202020204" pitchFamily="34" charset="0"/>
-                <a:cs typeface="Arial" panose="020B0604020202020204" pitchFamily="34" charset="0"/>
-              </a:defRPr>
-            </a:lvl7pPr>
-            <a:lvl8pPr marL="3429000" indent="-228600" eaLnBrk="0" fontAlgn="base" hangingPunct="0">
-              <a:spcBef>
-                <a:spcPct val="20000"/>
-              </a:spcBef>
-              <a:spcAft>
-                <a:spcPct val="0"/>
-              </a:spcAft>
-              <a:buFont typeface="Arial" panose="020B0604020202020204" pitchFamily="34" charset="0"/>
-              <a:buChar char="»"/>
-              <a:defRPr sz="2000">
-                <a:solidFill>
-                  <a:schemeClr val="tx1"/>
-                </a:solidFill>
-                <a:latin typeface="Arial" panose="020B0604020202020204" pitchFamily="34" charset="0"/>
-                <a:cs typeface="Arial" panose="020B0604020202020204" pitchFamily="34" charset="0"/>
-              </a:defRPr>
-            </a:lvl8pPr>
-            <a:lvl9pPr marL="3886200" indent="-228600" eaLnBrk="0" fontAlgn="base" hangingPunct="0">
-              <a:spcBef>
-                <a:spcPct val="20000"/>
-              </a:spcBef>
-              <a:spcAft>
-                <a:spcPct val="0"/>
-              </a:spcAft>
-              <a:buFont typeface="Arial" panose="020B0604020202020204" pitchFamily="34" charset="0"/>
-              <a:buChar char="»"/>
-              <a:defRPr sz="2000">
-                <a:solidFill>
-                  <a:schemeClr val="tx1"/>
-                </a:solidFill>
-                <a:latin typeface="Arial" panose="020B0604020202020204" pitchFamily="34" charset="0"/>
-                <a:cs typeface="Arial" panose="020B0604020202020204" pitchFamily="34" charset="0"/>
-              </a:defRPr>
-            </a:lvl9pPr>
-          </a:lstStyle>
-          <a:p>
-            <a:pPr algn="ctr">
-              <a:spcBef>
-                <a:spcPct val="0"/>
-              </a:spcBef>
-              <a:buFontTx/>
-              <a:buNone/>
-            </a:pPr>
-            <a:r>
-              <a:rPr lang="es-CO" altLang="es-CO" sz="1100" dirty="0"/>
-              <a:t> Martes:       18:10 - 20:00</a:t>
-            </a:r>
-          </a:p>
-          <a:p>
-            <a:pPr algn="ctr">
-              <a:spcBef>
-                <a:spcPct val="0"/>
-              </a:spcBef>
-              <a:buFontTx/>
-              <a:buNone/>
-            </a:pPr>
-            <a:r>
-              <a:rPr lang="es-CO" altLang="es-CO" sz="1100" dirty="0"/>
-              <a:t> Martes:      20:20 – 21:30</a:t>
-            </a:r>
-          </a:p>
-        </p:txBody>
-      </p:sp>
-      <p:sp>
-        <p:nvSpPr>
           <p:cNvPr id="9" name="2 Subtítulo">
             <a:extLst>
               <a:ext uri="{FF2B5EF4-FFF2-40B4-BE49-F238E27FC236}">
@@ -8643,10 +8504,10 @@
       </p:sp>
       <p:graphicFrame>
         <p:nvGraphicFramePr>
-          <p:cNvPr id="6" name="Tabla 3">
+          <p:cNvPr id="3" name="Tabla 3">
             <a:extLst>
               <a:ext uri="{FF2B5EF4-FFF2-40B4-BE49-F238E27FC236}">
-                <a16:creationId xmlns:a16="http://schemas.microsoft.com/office/drawing/2014/main" id="{EAFA30B9-B74F-C807-F5CF-91ADE1B5A28F}"/>
+                <a16:creationId xmlns:a16="http://schemas.microsoft.com/office/drawing/2014/main" id="{674EB332-90A8-52A5-68D7-6C6FB8DDBD00}"/>
               </a:ext>
             </a:extLst>
           </p:cNvPr>
@@ -8656,14 +8517,14 @@
           <p:nvPr>
             <p:extLst>
               <p:ext uri="{D42A27DB-BD31-4B8C-83A1-F6EECF244321}">
-                <p14:modId xmlns:p14="http://schemas.microsoft.com/office/powerpoint/2010/main" val="2713420925"/>
+                <p14:modId xmlns:p14="http://schemas.microsoft.com/office/powerpoint/2010/main" val="2728097480"/>
               </p:ext>
             </p:extLst>
           </p:nvPr>
         </p:nvGraphicFramePr>
         <p:xfrm>
-          <a:off x="779463" y="759887"/>
-          <a:ext cx="7416824" cy="5753067"/>
+          <a:off x="863588" y="670925"/>
+          <a:ext cx="7416824" cy="5483937"/>
         </p:xfrm>
         <a:graphic>
           <a:graphicData uri="http://schemas.openxmlformats.org/drawingml/2006/table">
@@ -8833,7 +8694,7 @@
                       <a:pPr algn="ctr"/>
                       <a:r>
                         <a:rPr lang="es-CO" sz="1000" dirty="0"/>
-                        <a:t>5 agosto – 10 agosto</a:t>
+                        <a:t>3 febrero – 7 febrero</a:t>
                       </a:r>
                     </a:p>
                   </a:txBody>
@@ -9040,7 +8901,7 @@
                             <a:schemeClr val="tx1"/>
                           </a:solidFill>
                         </a:rPr>
-                        <a:t>12 agosto – 16 agosto</a:t>
+                        <a:t>10 febrero – 14 febrero</a:t>
                       </a:r>
                     </a:p>
                   </a:txBody>
@@ -9088,26 +8949,10 @@
                     <a:bodyPr/>
                     <a:lstStyle/>
                     <a:p>
-                      <a:pPr marL="0" marR="0" lvl="0" indent="0" algn="ctr" defTabSz="685800" rtl="0" eaLnBrk="1" fontAlgn="auto" latinLnBrk="0" hangingPunct="1">
-                        <a:lnSpc>
-                          <a:spcPct val="100000"/>
-                        </a:lnSpc>
-                        <a:spcBef>
-                          <a:spcPts val="0"/>
-                        </a:spcBef>
-                        <a:spcAft>
-                          <a:spcPts val="0"/>
-                        </a:spcAft>
-                        <a:buClrTx/>
-                        <a:buSzTx/>
-                        <a:buFontTx/>
-                        <a:buNone/>
-                        <a:tabLst/>
-                        <a:defRPr/>
-                      </a:pPr>
+                      <a:pPr algn="ctr"/>
                       <a:r>
                         <a:rPr lang="es-CO" sz="1000" dirty="0"/>
-                        <a:t>Transformada Z – Propiedades</a:t>
+                        <a:t>Señales discretas / Digitales.</a:t>
                       </a:r>
                     </a:p>
                   </a:txBody>
@@ -9156,7 +9001,7 @@
                   </a:ext>
                 </a:extLst>
               </a:tr>
-              <a:tr h="269130">
+              <a:tr h="269131">
                 <a:tc>
                   <a:txBody>
                     <a:bodyPr/>
@@ -9217,13 +9062,10 @@
                       <a:r>
                         <a:rPr lang="es-CO" sz="1000" dirty="0">
                           <a:solidFill>
-                            <a:srgbClr val="FF0000"/>
+                            <a:schemeClr val="tx1"/>
                           </a:solidFill>
-                          <a:highlight>
-                            <a:srgbClr val="FFFF00"/>
-                          </a:highlight>
                         </a:rPr>
-                        <a:t>19 agosto –23 agosto</a:t>
+                        <a:t>17 febrero – 21 febrero</a:t>
                       </a:r>
                     </a:p>
                   </a:txBody>
@@ -9271,30 +9113,10 @@
                     <a:bodyPr/>
                     <a:lstStyle/>
                     <a:p>
-                      <a:pPr marL="0" marR="0" lvl="0" indent="0" algn="ctr" defTabSz="685800" rtl="0" eaLnBrk="1" fontAlgn="auto" latinLnBrk="0" hangingPunct="1">
-                        <a:lnSpc>
-                          <a:spcPct val="100000"/>
-                        </a:lnSpc>
-                        <a:spcBef>
-                          <a:spcPts val="0"/>
-                        </a:spcBef>
-                        <a:spcAft>
-                          <a:spcPts val="0"/>
-                        </a:spcAft>
-                        <a:buClrTx/>
-                        <a:buSzTx/>
-                        <a:buFontTx/>
-                        <a:buNone/>
-                        <a:tabLst/>
-                        <a:defRPr/>
-                      </a:pPr>
+                      <a:pPr algn="ctr"/>
                       <a:r>
-                        <a:rPr lang="es-CO" sz="1000" dirty="0">
-                          <a:highlight>
-                            <a:srgbClr val="00FF00"/>
-                          </a:highlight>
-                        </a:rPr>
-                        <a:t>Señales discretas / Digitales.</a:t>
+                        <a:rPr lang="es-CO" sz="1000" dirty="0"/>
+                        <a:t>Transformada Z - Propiedades</a:t>
                       </a:r>
                     </a:p>
                   </a:txBody>
@@ -9407,7 +9229,7 @@
                             <a:schemeClr val="tx1"/>
                           </a:solidFill>
                         </a:rPr>
-                        <a:t>26 agosto – 30 agosto</a:t>
+                        <a:t>24 febrero – 28 febrero</a:t>
                       </a:r>
                     </a:p>
                   </a:txBody>
@@ -9574,7 +9396,7 @@
                       <a:pPr algn="ctr"/>
                       <a:r>
                         <a:rPr lang="es-CO" sz="1000" dirty="0"/>
-                        <a:t>2 septiembre – 6 septiembre</a:t>
+                        <a:t>3 marzo – 7 marzo</a:t>
                       </a:r>
                     </a:p>
                   </a:txBody>
@@ -9738,7 +9560,7 @@
                             <a:schemeClr val="tx1"/>
                           </a:solidFill>
                         </a:rPr>
-                        <a:t>9 septiembre – 13 septiembre</a:t>
+                        <a:t>10 marzo – 14 marzo</a:t>
                       </a:r>
                     </a:p>
                   </a:txBody>
@@ -9902,7 +9724,7 @@
                       <a:pPr algn="ctr"/>
                       <a:r>
                         <a:rPr lang="es-CO" sz="1000" dirty="0"/>
-                        <a:t> 18 marzo – 22 marzo</a:t>
+                        <a:t> 17 marzo – 21 marzo</a:t>
                       </a:r>
                     </a:p>
                   </a:txBody>
@@ -10063,10 +9885,13 @@
                       <a:r>
                         <a:rPr lang="es-CO" sz="1000" dirty="0">
                           <a:solidFill>
-                            <a:schemeClr val="tx1"/>
+                            <a:srgbClr val="FF0000"/>
                           </a:solidFill>
+                          <a:highlight>
+                            <a:srgbClr val="FFFF00"/>
+                          </a:highlight>
                         </a:rPr>
-                        <a:t>16 septiembre – 20 septiembre</a:t>
+                        <a:t>24 marzo – 28 marzo</a:t>
                       </a:r>
                     </a:p>
                   </a:txBody>
@@ -10274,7 +10099,7 @@
                             <a:schemeClr val="tx1"/>
                           </a:solidFill>
                         </a:rPr>
-                        <a:t>23 septiembre – 27 septiembre</a:t>
+                        <a:t>31 marzo – 4 abril</a:t>
                       </a:r>
                     </a:p>
                   </a:txBody>
@@ -10440,7 +10265,7 @@
                       <a:pPr algn="ctr"/>
                       <a:r>
                         <a:rPr lang="es-CO" sz="1000" dirty="0"/>
-                        <a:t>30 septiembre – 4 octubre</a:t>
+                        <a:t>7 abril – 11 abril</a:t>
                       </a:r>
                     </a:p>
                   </a:txBody>
@@ -10617,10 +10442,13 @@
                       <a:r>
                         <a:rPr lang="es-CO" sz="1000" dirty="0">
                           <a:solidFill>
-                            <a:schemeClr val="tx1"/>
+                            <a:srgbClr val="FF0000"/>
                           </a:solidFill>
+                          <a:highlight>
+                            <a:srgbClr val="FFFF00"/>
+                          </a:highlight>
                         </a:rPr>
-                        <a:t>7 octubre – 11 octubre</a:t>
+                        <a:t>14 abril – 18 abril</a:t>
                       </a:r>
                     </a:p>
                   </a:txBody>
@@ -10687,7 +10515,7 @@
                       </a:pPr>
                       <a:r>
                         <a:rPr lang="es-CO" sz="1000" dirty="0"/>
-                        <a:t>El controlador PID</a:t>
+                        <a:t>-</a:t>
                       </a:r>
                     </a:p>
                   </a:txBody>
@@ -10797,205 +10625,10 @@
                       <a:r>
                         <a:rPr lang="es-CO" sz="1000" dirty="0">
                           <a:solidFill>
-                            <a:srgbClr val="FF0000"/>
+                            <a:schemeClr val="tx1"/>
                           </a:solidFill>
-                          <a:highlight>
-                            <a:srgbClr val="FFFF00"/>
-                          </a:highlight>
                         </a:rPr>
-                        <a:t>14 octubre – 18 octubre </a:t>
-                      </a:r>
-                    </a:p>
-                  </a:txBody>
-                  <a:tcPr>
-                    <a:lnL w="12700" cap="flat" cmpd="sng" algn="ctr">
-                      <a:solidFill>
-                        <a:schemeClr val="tx1"/>
-                      </a:solidFill>
-                      <a:prstDash val="solid"/>
-                      <a:round/>
-                      <a:headEnd type="none" w="med" len="med"/>
-                      <a:tailEnd type="none" w="med" len="med"/>
-                    </a:lnL>
-                    <a:lnR w="12700" cap="flat" cmpd="sng" algn="ctr">
-                      <a:solidFill>
-                        <a:schemeClr val="tx1"/>
-                      </a:solidFill>
-                      <a:prstDash val="solid"/>
-                      <a:round/>
-                      <a:headEnd type="none" w="med" len="med"/>
-                      <a:tailEnd type="none" w="med" len="med"/>
-                    </a:lnR>
-                    <a:lnT w="12700" cap="flat" cmpd="sng" algn="ctr">
-                      <a:solidFill>
-                        <a:schemeClr val="tx1"/>
-                      </a:solidFill>
-                      <a:prstDash val="solid"/>
-                      <a:round/>
-                      <a:headEnd type="none" w="med" len="med"/>
-                      <a:tailEnd type="none" w="med" len="med"/>
-                    </a:lnT>
-                    <a:lnB w="12700" cap="flat" cmpd="sng" algn="ctr">
-                      <a:solidFill>
-                        <a:schemeClr val="tx1"/>
-                      </a:solidFill>
-                      <a:prstDash val="solid"/>
-                      <a:round/>
-                      <a:headEnd type="none" w="med" len="med"/>
-                      <a:tailEnd type="none" w="med" len="med"/>
-                    </a:lnB>
-                  </a:tcPr>
-                </a:tc>
-                <a:tc>
-                  <a:txBody>
-                    <a:bodyPr/>
-                    <a:lstStyle/>
-                    <a:p>
-                      <a:pPr marL="0" marR="0" lvl="0" indent="0" algn="ctr" defTabSz="685800" rtl="0" eaLnBrk="1" fontAlgn="auto" latinLnBrk="0" hangingPunct="1">
-                        <a:lnSpc>
-                          <a:spcPct val="100000"/>
-                        </a:lnSpc>
-                        <a:spcBef>
-                          <a:spcPts val="0"/>
-                        </a:spcBef>
-                        <a:spcAft>
-                          <a:spcPts val="0"/>
-                        </a:spcAft>
-                        <a:buClrTx/>
-                        <a:buSzTx/>
-                        <a:buFontTx/>
-                        <a:buNone/>
-                        <a:tabLst/>
-                        <a:defRPr/>
-                      </a:pPr>
-                      <a:r>
-                        <a:rPr lang="es-CO" sz="1000" dirty="0"/>
-                        <a:t>Diseño basado en LGR</a:t>
-                      </a:r>
-                    </a:p>
-                  </a:txBody>
-                  <a:tcPr>
-                    <a:lnL w="12700" cap="flat" cmpd="sng" algn="ctr">
-                      <a:solidFill>
-                        <a:schemeClr val="tx1"/>
-                      </a:solidFill>
-                      <a:prstDash val="solid"/>
-                      <a:round/>
-                      <a:headEnd type="none" w="med" len="med"/>
-                      <a:tailEnd type="none" w="med" len="med"/>
-                    </a:lnL>
-                    <a:lnR w="12700" cap="flat" cmpd="sng" algn="ctr">
-                      <a:solidFill>
-                        <a:schemeClr val="tx1"/>
-                      </a:solidFill>
-                      <a:prstDash val="solid"/>
-                      <a:round/>
-                      <a:headEnd type="none" w="med" len="med"/>
-                      <a:tailEnd type="none" w="med" len="med"/>
-                    </a:lnR>
-                    <a:lnT w="12700" cap="flat" cmpd="sng" algn="ctr">
-                      <a:solidFill>
-                        <a:schemeClr val="tx1"/>
-                      </a:solidFill>
-                      <a:prstDash val="solid"/>
-                      <a:round/>
-                      <a:headEnd type="none" w="med" len="med"/>
-                      <a:tailEnd type="none" w="med" len="med"/>
-                    </a:lnT>
-                    <a:lnB w="12700" cap="flat" cmpd="sng" algn="ctr">
-                      <a:solidFill>
-                        <a:schemeClr val="tx1"/>
-                      </a:solidFill>
-                      <a:prstDash val="solid"/>
-                      <a:round/>
-                      <a:headEnd type="none" w="med" len="med"/>
-                      <a:tailEnd type="none" w="med" len="med"/>
-                    </a:lnB>
-                  </a:tcPr>
-                </a:tc>
-                <a:extLst>
-                  <a:ext uri="{0D108BD9-81ED-4DB2-BD59-A6C34878D82A}">
-                    <a16:rowId xmlns:a16="http://schemas.microsoft.com/office/drawing/2014/main" val="534397848"/>
-                  </a:ext>
-                </a:extLst>
-              </a:tr>
-              <a:tr h="269131">
-                <a:tc>
-                  <a:txBody>
-                    <a:bodyPr/>
-                    <a:lstStyle/>
-                    <a:p>
-                      <a:pPr algn="ctr"/>
-                      <a:r>
-                        <a:rPr lang="es-CO" sz="1000" dirty="0"/>
-                        <a:t>13</a:t>
-                      </a:r>
-                    </a:p>
-                  </a:txBody>
-                  <a:tcPr>
-                    <a:lnL w="12700" cap="flat" cmpd="sng" algn="ctr">
-                      <a:solidFill>
-                        <a:schemeClr val="tx1"/>
-                      </a:solidFill>
-                      <a:prstDash val="solid"/>
-                      <a:round/>
-                      <a:headEnd type="none" w="med" len="med"/>
-                      <a:tailEnd type="none" w="med" len="med"/>
-                    </a:lnL>
-                    <a:lnR w="12700" cap="flat" cmpd="sng" algn="ctr">
-                      <a:solidFill>
-                        <a:schemeClr val="tx1"/>
-                      </a:solidFill>
-                      <a:prstDash val="solid"/>
-                      <a:round/>
-                      <a:headEnd type="none" w="med" len="med"/>
-                      <a:tailEnd type="none" w="med" len="med"/>
-                    </a:lnR>
-                    <a:lnT w="12700" cap="flat" cmpd="sng" algn="ctr">
-                      <a:solidFill>
-                        <a:schemeClr val="tx1"/>
-                      </a:solidFill>
-                      <a:prstDash val="solid"/>
-                      <a:round/>
-                      <a:headEnd type="none" w="med" len="med"/>
-                      <a:tailEnd type="none" w="med" len="med"/>
-                    </a:lnT>
-                    <a:lnB w="12700" cap="flat" cmpd="sng" algn="ctr">
-                      <a:solidFill>
-                        <a:schemeClr val="tx1"/>
-                      </a:solidFill>
-                      <a:prstDash val="solid"/>
-                      <a:round/>
-                      <a:headEnd type="none" w="med" len="med"/>
-                      <a:tailEnd type="none" w="med" len="med"/>
-                    </a:lnB>
-                  </a:tcPr>
-                </a:tc>
-                <a:tc>
-                  <a:txBody>
-                    <a:bodyPr/>
-                    <a:lstStyle/>
-                    <a:p>
-                      <a:pPr marL="0" marR="0" lvl="0" indent="0" algn="ctr" defTabSz="914400" rtl="0" eaLnBrk="1" fontAlgn="auto" latinLnBrk="0" hangingPunct="1">
-                        <a:lnSpc>
-                          <a:spcPct val="100000"/>
-                        </a:lnSpc>
-                        <a:spcBef>
-                          <a:spcPts val="0"/>
-                        </a:spcBef>
-                        <a:spcAft>
-                          <a:spcPts val="0"/>
-                        </a:spcAft>
-                        <a:buClrTx/>
-                        <a:buSzTx/>
-                        <a:buFontTx/>
-                        <a:buNone/>
-                        <a:tabLst/>
-                        <a:defRPr/>
-                      </a:pPr>
-                      <a:r>
-                        <a:rPr lang="es-CO" sz="1000" dirty="0"/>
-                        <a:t>21 octubre – 25 octubre</a:t>
+                        <a:t>21 abril – 25 abril</a:t>
                       </a:r>
                     </a:p>
                   </a:txBody>
@@ -11111,6 +10744,198 @@
                 </a:tc>
                 <a:extLst>
                   <a:ext uri="{0D108BD9-81ED-4DB2-BD59-A6C34878D82A}">
+                    <a16:rowId xmlns:a16="http://schemas.microsoft.com/office/drawing/2014/main" val="534397848"/>
+                  </a:ext>
+                </a:extLst>
+              </a:tr>
+              <a:tr h="269131">
+                <a:tc>
+                  <a:txBody>
+                    <a:bodyPr/>
+                    <a:lstStyle/>
+                    <a:p>
+                      <a:pPr algn="ctr"/>
+                      <a:r>
+                        <a:rPr lang="es-CO" sz="1000" dirty="0"/>
+                        <a:t>13</a:t>
+                      </a:r>
+                    </a:p>
+                  </a:txBody>
+                  <a:tcPr>
+                    <a:lnL w="12700" cap="flat" cmpd="sng" algn="ctr">
+                      <a:solidFill>
+                        <a:schemeClr val="tx1"/>
+                      </a:solidFill>
+                      <a:prstDash val="solid"/>
+                      <a:round/>
+                      <a:headEnd type="none" w="med" len="med"/>
+                      <a:tailEnd type="none" w="med" len="med"/>
+                    </a:lnL>
+                    <a:lnR w="12700" cap="flat" cmpd="sng" algn="ctr">
+                      <a:solidFill>
+                        <a:schemeClr val="tx1"/>
+                      </a:solidFill>
+                      <a:prstDash val="solid"/>
+                      <a:round/>
+                      <a:headEnd type="none" w="med" len="med"/>
+                      <a:tailEnd type="none" w="med" len="med"/>
+                    </a:lnR>
+                    <a:lnT w="12700" cap="flat" cmpd="sng" algn="ctr">
+                      <a:solidFill>
+                        <a:schemeClr val="tx1"/>
+                      </a:solidFill>
+                      <a:prstDash val="solid"/>
+                      <a:round/>
+                      <a:headEnd type="none" w="med" len="med"/>
+                      <a:tailEnd type="none" w="med" len="med"/>
+                    </a:lnT>
+                    <a:lnB w="12700" cap="flat" cmpd="sng" algn="ctr">
+                      <a:solidFill>
+                        <a:schemeClr val="tx1"/>
+                      </a:solidFill>
+                      <a:prstDash val="solid"/>
+                      <a:round/>
+                      <a:headEnd type="none" w="med" len="med"/>
+                      <a:tailEnd type="none" w="med" len="med"/>
+                    </a:lnB>
+                  </a:tcPr>
+                </a:tc>
+                <a:tc>
+                  <a:txBody>
+                    <a:bodyPr/>
+                    <a:lstStyle/>
+                    <a:p>
+                      <a:pPr marL="0" marR="0" lvl="0" indent="0" algn="ctr" defTabSz="914400" rtl="0" eaLnBrk="1" fontAlgn="auto" latinLnBrk="0" hangingPunct="1">
+                        <a:lnSpc>
+                          <a:spcPct val="100000"/>
+                        </a:lnSpc>
+                        <a:spcBef>
+                          <a:spcPts val="0"/>
+                        </a:spcBef>
+                        <a:spcAft>
+                          <a:spcPts val="0"/>
+                        </a:spcAft>
+                        <a:buClrTx/>
+                        <a:buSzTx/>
+                        <a:buFontTx/>
+                        <a:buNone/>
+                        <a:tabLst/>
+                        <a:defRPr/>
+                      </a:pPr>
+                      <a:r>
+                        <a:rPr lang="es-CO" sz="1000" dirty="0"/>
+                        <a:t>28 abril – 2 mayo</a:t>
+                      </a:r>
+                    </a:p>
+                  </a:txBody>
+                  <a:tcPr>
+                    <a:lnL w="12700" cap="flat" cmpd="sng" algn="ctr">
+                      <a:solidFill>
+                        <a:schemeClr val="tx1"/>
+                      </a:solidFill>
+                      <a:prstDash val="solid"/>
+                      <a:round/>
+                      <a:headEnd type="none" w="med" len="med"/>
+                      <a:tailEnd type="none" w="med" len="med"/>
+                    </a:lnL>
+                    <a:lnR w="12700" cap="flat" cmpd="sng" algn="ctr">
+                      <a:solidFill>
+                        <a:schemeClr val="tx1"/>
+                      </a:solidFill>
+                      <a:prstDash val="solid"/>
+                      <a:round/>
+                      <a:headEnd type="none" w="med" len="med"/>
+                      <a:tailEnd type="none" w="med" len="med"/>
+                    </a:lnR>
+                    <a:lnT w="12700" cap="flat" cmpd="sng" algn="ctr">
+                      <a:solidFill>
+                        <a:schemeClr val="tx1"/>
+                      </a:solidFill>
+                      <a:prstDash val="solid"/>
+                      <a:round/>
+                      <a:headEnd type="none" w="med" len="med"/>
+                      <a:tailEnd type="none" w="med" len="med"/>
+                    </a:lnT>
+                    <a:lnB w="12700" cap="flat" cmpd="sng" algn="ctr">
+                      <a:solidFill>
+                        <a:schemeClr val="tx1"/>
+                      </a:solidFill>
+                      <a:prstDash val="solid"/>
+                      <a:round/>
+                      <a:headEnd type="none" w="med" len="med"/>
+                      <a:tailEnd type="none" w="med" len="med"/>
+                    </a:lnB>
+                  </a:tcPr>
+                </a:tc>
+                <a:tc>
+                  <a:txBody>
+                    <a:bodyPr/>
+                    <a:lstStyle/>
+                    <a:p>
+                      <a:pPr marL="0" marR="0" lvl="0" indent="0" algn="ctr" defTabSz="685800" rtl="0" eaLnBrk="1" fontAlgn="auto" latinLnBrk="0" hangingPunct="1">
+                        <a:lnSpc>
+                          <a:spcPct val="100000"/>
+                        </a:lnSpc>
+                        <a:spcBef>
+                          <a:spcPts val="0"/>
+                        </a:spcBef>
+                        <a:spcAft>
+                          <a:spcPts val="0"/>
+                        </a:spcAft>
+                        <a:buClrTx/>
+                        <a:buSzTx/>
+                        <a:buFontTx/>
+                        <a:buNone/>
+                        <a:tabLst/>
+                        <a:defRPr/>
+                      </a:pPr>
+                      <a:r>
+                        <a:rPr lang="es-CO" sz="1000" dirty="0"/>
+                        <a:t>El controlador PID</a:t>
+                      </a:r>
+                    </a:p>
+                  </a:txBody>
+                  <a:tcPr>
+                    <a:lnL w="12700" cap="flat" cmpd="sng" algn="ctr">
+                      <a:solidFill>
+                        <a:schemeClr val="tx1"/>
+                      </a:solidFill>
+                      <a:prstDash val="solid"/>
+                      <a:round/>
+                      <a:headEnd type="none" w="med" len="med"/>
+                      <a:tailEnd type="none" w="med" len="med"/>
+                    </a:lnL>
+                    <a:lnR w="12700" cap="flat" cmpd="sng" algn="ctr">
+                      <a:solidFill>
+                        <a:schemeClr val="tx1"/>
+                      </a:solidFill>
+                      <a:prstDash val="solid"/>
+                      <a:round/>
+                      <a:headEnd type="none" w="med" len="med"/>
+                      <a:tailEnd type="none" w="med" len="med"/>
+                    </a:lnR>
+                    <a:lnT w="12700" cap="flat" cmpd="sng" algn="ctr">
+                      <a:solidFill>
+                        <a:schemeClr val="tx1"/>
+                      </a:solidFill>
+                      <a:prstDash val="solid"/>
+                      <a:round/>
+                      <a:headEnd type="none" w="med" len="med"/>
+                      <a:tailEnd type="none" w="med" len="med"/>
+                    </a:lnT>
+                    <a:lnB w="12700" cap="flat" cmpd="sng" algn="ctr">
+                      <a:solidFill>
+                        <a:schemeClr val="tx1"/>
+                      </a:solidFill>
+                      <a:prstDash val="solid"/>
+                      <a:round/>
+                      <a:headEnd type="none" w="med" len="med"/>
+                      <a:tailEnd type="none" w="med" len="med"/>
+                    </a:lnB>
+                  </a:tcPr>
+                </a:tc>
+                <a:extLst>
+                  <a:ext uri="{0D108BD9-81ED-4DB2-BD59-A6C34878D82A}">
                     <a16:rowId xmlns:a16="http://schemas.microsoft.com/office/drawing/2014/main" val="3127511249"/>
                   </a:ext>
                 </a:extLst>
@@ -11195,7 +11020,204 @@
                             <a:schemeClr val="tx1"/>
                           </a:solidFill>
                         </a:rPr>
-                        <a:t>28 octubre – 1 noviembre</a:t>
+                        <a:t>5 mayo – 9 mayo</a:t>
+                      </a:r>
+                    </a:p>
+                  </a:txBody>
+                  <a:tcPr>
+                    <a:lnL w="12700" cap="flat" cmpd="sng" algn="ctr">
+                      <a:solidFill>
+                        <a:schemeClr val="tx1"/>
+                      </a:solidFill>
+                      <a:prstDash val="solid"/>
+                      <a:round/>
+                      <a:headEnd type="none" w="med" len="med"/>
+                      <a:tailEnd type="none" w="med" len="med"/>
+                    </a:lnL>
+                    <a:lnR w="12700" cap="flat" cmpd="sng" algn="ctr">
+                      <a:solidFill>
+                        <a:schemeClr val="tx1"/>
+                      </a:solidFill>
+                      <a:prstDash val="solid"/>
+                      <a:round/>
+                      <a:headEnd type="none" w="med" len="med"/>
+                      <a:tailEnd type="none" w="med" len="med"/>
+                    </a:lnR>
+                    <a:lnT w="12700" cap="flat" cmpd="sng" algn="ctr">
+                      <a:solidFill>
+                        <a:schemeClr val="tx1"/>
+                      </a:solidFill>
+                      <a:prstDash val="solid"/>
+                      <a:round/>
+                      <a:headEnd type="none" w="med" len="med"/>
+                      <a:tailEnd type="none" w="med" len="med"/>
+                    </a:lnT>
+                    <a:lnB w="12700" cap="flat" cmpd="sng" algn="ctr">
+                      <a:solidFill>
+                        <a:schemeClr val="tx1"/>
+                      </a:solidFill>
+                      <a:prstDash val="solid"/>
+                      <a:round/>
+                      <a:headEnd type="none" w="med" len="med"/>
+                      <a:tailEnd type="none" w="med" len="med"/>
+                    </a:lnB>
+                  </a:tcPr>
+                </a:tc>
+                <a:tc>
+                  <a:txBody>
+                    <a:bodyPr/>
+                    <a:lstStyle/>
+                    <a:p>
+                      <a:pPr marL="0" marR="0" lvl="0" indent="0" algn="ctr" defTabSz="685800" rtl="0" eaLnBrk="1" fontAlgn="auto" latinLnBrk="0" hangingPunct="1">
+                        <a:lnSpc>
+                          <a:spcPct val="100000"/>
+                        </a:lnSpc>
+                        <a:spcBef>
+                          <a:spcPts val="0"/>
+                        </a:spcBef>
+                        <a:spcAft>
+                          <a:spcPts val="0"/>
+                        </a:spcAft>
+                        <a:buClrTx/>
+                        <a:buSzTx/>
+                        <a:buFontTx/>
+                        <a:buNone/>
+                        <a:tabLst/>
+                        <a:defRPr/>
+                      </a:pPr>
+                      <a:r>
+                        <a:rPr lang="es-CO" sz="1000" dirty="0"/>
+                        <a:t>Diseño basado en LGR</a:t>
+                      </a:r>
+                    </a:p>
+                  </a:txBody>
+                  <a:tcPr>
+                    <a:lnL w="12700" cap="flat" cmpd="sng" algn="ctr">
+                      <a:solidFill>
+                        <a:schemeClr val="tx1"/>
+                      </a:solidFill>
+                      <a:prstDash val="solid"/>
+                      <a:round/>
+                      <a:headEnd type="none" w="med" len="med"/>
+                      <a:tailEnd type="none" w="med" len="med"/>
+                    </a:lnL>
+                    <a:lnR w="12700" cap="flat" cmpd="sng" algn="ctr">
+                      <a:solidFill>
+                        <a:schemeClr val="tx1"/>
+                      </a:solidFill>
+                      <a:prstDash val="solid"/>
+                      <a:round/>
+                      <a:headEnd type="none" w="med" len="med"/>
+                      <a:tailEnd type="none" w="med" len="med"/>
+                    </a:lnR>
+                    <a:lnT w="12700" cap="flat" cmpd="sng" algn="ctr">
+                      <a:solidFill>
+                        <a:schemeClr val="tx1"/>
+                      </a:solidFill>
+                      <a:prstDash val="solid"/>
+                      <a:round/>
+                      <a:headEnd type="none" w="med" len="med"/>
+                      <a:tailEnd type="none" w="med" len="med"/>
+                    </a:lnT>
+                    <a:lnB w="12700" cap="flat" cmpd="sng" algn="ctr">
+                      <a:solidFill>
+                        <a:schemeClr val="tx1"/>
+                      </a:solidFill>
+                      <a:prstDash val="solid"/>
+                      <a:round/>
+                      <a:headEnd type="none" w="med" len="med"/>
+                      <a:tailEnd type="none" w="med" len="med"/>
+                    </a:lnB>
+                  </a:tcPr>
+                </a:tc>
+                <a:extLst>
+                  <a:ext uri="{0D108BD9-81ED-4DB2-BD59-A6C34878D82A}">
+                    <a16:rowId xmlns:a16="http://schemas.microsoft.com/office/drawing/2014/main" val="1978658262"/>
+                  </a:ext>
+                </a:extLst>
+              </a:tr>
+              <a:tr h="269131">
+                <a:tc>
+                  <a:txBody>
+                    <a:bodyPr/>
+                    <a:lstStyle/>
+                    <a:p>
+                      <a:pPr algn="ctr"/>
+                      <a:r>
+                        <a:rPr lang="es-ES" sz="1000" dirty="0"/>
+                        <a:t>15</a:t>
+                      </a:r>
+                      <a:endParaRPr lang="es-CO" sz="1000" dirty="0"/>
+                    </a:p>
+                  </a:txBody>
+                  <a:tcPr>
+                    <a:lnL w="12700" cap="flat" cmpd="sng" algn="ctr">
+                      <a:solidFill>
+                        <a:schemeClr val="tx1"/>
+                      </a:solidFill>
+                      <a:prstDash val="solid"/>
+                      <a:round/>
+                      <a:headEnd type="none" w="med" len="med"/>
+                      <a:tailEnd type="none" w="med" len="med"/>
+                    </a:lnL>
+                    <a:lnR w="12700" cap="flat" cmpd="sng" algn="ctr">
+                      <a:solidFill>
+                        <a:schemeClr val="tx1"/>
+                      </a:solidFill>
+                      <a:prstDash val="solid"/>
+                      <a:round/>
+                      <a:headEnd type="none" w="med" len="med"/>
+                      <a:tailEnd type="none" w="med" len="med"/>
+                    </a:lnR>
+                    <a:lnT w="12700" cap="flat" cmpd="sng" algn="ctr">
+                      <a:solidFill>
+                        <a:schemeClr val="tx1"/>
+                      </a:solidFill>
+                      <a:prstDash val="solid"/>
+                      <a:round/>
+                      <a:headEnd type="none" w="med" len="med"/>
+                      <a:tailEnd type="none" w="med" len="med"/>
+                    </a:lnT>
+                    <a:lnB w="12700" cap="flat" cmpd="sng" algn="ctr">
+                      <a:solidFill>
+                        <a:schemeClr val="tx1"/>
+                      </a:solidFill>
+                      <a:prstDash val="solid"/>
+                      <a:round/>
+                      <a:headEnd type="none" w="med" len="med"/>
+                      <a:tailEnd type="none" w="med" len="med"/>
+                    </a:lnB>
+                  </a:tcPr>
+                </a:tc>
+                <a:tc>
+                  <a:txBody>
+                    <a:bodyPr/>
+                    <a:lstStyle/>
+                    <a:p>
+                      <a:pPr marL="0" marR="0" lvl="0" indent="0" algn="ctr" defTabSz="914400" rtl="0" eaLnBrk="1" fontAlgn="auto" latinLnBrk="0" hangingPunct="1">
+                        <a:lnSpc>
+                          <a:spcPct val="100000"/>
+                        </a:lnSpc>
+                        <a:spcBef>
+                          <a:spcPts val="0"/>
+                        </a:spcBef>
+                        <a:spcAft>
+                          <a:spcPts val="0"/>
+                        </a:spcAft>
+                        <a:buClrTx/>
+                        <a:buSzTx/>
+                        <a:buFontTx/>
+                        <a:buNone/>
+                        <a:tabLst/>
+                        <a:defRPr/>
+                      </a:pPr>
+                      <a:r>
+                        <a:rPr lang="es-CO" sz="1000" dirty="0">
+                          <a:solidFill>
+                            <a:schemeClr val="tx1"/>
+                          </a:solidFill>
+                        </a:rPr>
+                        <a:t>12 mayo – 16 mayo</a:t>
                       </a:r>
                     </a:p>
                   </a:txBody>
@@ -11307,190 +11329,6 @@
                 </a:tc>
                 <a:extLst>
                   <a:ext uri="{0D108BD9-81ED-4DB2-BD59-A6C34878D82A}">
-                    <a16:rowId xmlns:a16="http://schemas.microsoft.com/office/drawing/2014/main" val="1978658262"/>
-                  </a:ext>
-                </a:extLst>
-              </a:tr>
-              <a:tr h="269131">
-                <a:tc>
-                  <a:txBody>
-                    <a:bodyPr/>
-                    <a:lstStyle/>
-                    <a:p>
-                      <a:pPr algn="ctr"/>
-                      <a:r>
-                        <a:rPr lang="es-ES" sz="1000" dirty="0"/>
-                        <a:t>15</a:t>
-                      </a:r>
-                      <a:endParaRPr lang="es-CO" sz="1000" dirty="0"/>
-                    </a:p>
-                  </a:txBody>
-                  <a:tcPr>
-                    <a:lnL w="12700" cap="flat" cmpd="sng" algn="ctr">
-                      <a:solidFill>
-                        <a:schemeClr val="tx1"/>
-                      </a:solidFill>
-                      <a:prstDash val="solid"/>
-                      <a:round/>
-                      <a:headEnd type="none" w="med" len="med"/>
-                      <a:tailEnd type="none" w="med" len="med"/>
-                    </a:lnL>
-                    <a:lnR w="12700" cap="flat" cmpd="sng" algn="ctr">
-                      <a:solidFill>
-                        <a:schemeClr val="tx1"/>
-                      </a:solidFill>
-                      <a:prstDash val="solid"/>
-                      <a:round/>
-                      <a:headEnd type="none" w="med" len="med"/>
-                      <a:tailEnd type="none" w="med" len="med"/>
-                    </a:lnR>
-                    <a:lnT w="12700" cap="flat" cmpd="sng" algn="ctr">
-                      <a:solidFill>
-                        <a:schemeClr val="tx1"/>
-                      </a:solidFill>
-                      <a:prstDash val="solid"/>
-                      <a:round/>
-                      <a:headEnd type="none" w="med" len="med"/>
-                      <a:tailEnd type="none" w="med" len="med"/>
-                    </a:lnT>
-                    <a:lnB w="12700" cap="flat" cmpd="sng" algn="ctr">
-                      <a:solidFill>
-                        <a:schemeClr val="tx1"/>
-                      </a:solidFill>
-                      <a:prstDash val="solid"/>
-                      <a:round/>
-                      <a:headEnd type="none" w="med" len="med"/>
-                      <a:tailEnd type="none" w="med" len="med"/>
-                    </a:lnB>
-                  </a:tcPr>
-                </a:tc>
-                <a:tc>
-                  <a:txBody>
-                    <a:bodyPr/>
-                    <a:lstStyle/>
-                    <a:p>
-                      <a:pPr marL="0" marR="0" lvl="0" indent="0" algn="ctr" defTabSz="914400" rtl="0" eaLnBrk="1" fontAlgn="auto" latinLnBrk="0" hangingPunct="1">
-                        <a:lnSpc>
-                          <a:spcPct val="100000"/>
-                        </a:lnSpc>
-                        <a:spcBef>
-                          <a:spcPts val="0"/>
-                        </a:spcBef>
-                        <a:spcAft>
-                          <a:spcPts val="0"/>
-                        </a:spcAft>
-                        <a:buClrTx/>
-                        <a:buSzTx/>
-                        <a:buFontTx/>
-                        <a:buNone/>
-                        <a:tabLst/>
-                        <a:defRPr/>
-                      </a:pPr>
-                      <a:r>
-                        <a:rPr lang="es-CO" sz="1000" dirty="0">
-                          <a:solidFill>
-                            <a:srgbClr val="FF0000"/>
-                          </a:solidFill>
-                          <a:highlight>
-                            <a:srgbClr val="FFFF00"/>
-                          </a:highlight>
-                        </a:rPr>
-                        <a:t>4 noviembre – 11 noviembre</a:t>
-                      </a:r>
-                    </a:p>
-                  </a:txBody>
-                  <a:tcPr>
-                    <a:lnL w="12700" cap="flat" cmpd="sng" algn="ctr">
-                      <a:solidFill>
-                        <a:schemeClr val="tx1"/>
-                      </a:solidFill>
-                      <a:prstDash val="solid"/>
-                      <a:round/>
-                      <a:headEnd type="none" w="med" len="med"/>
-                      <a:tailEnd type="none" w="med" len="med"/>
-                    </a:lnL>
-                    <a:lnR w="12700" cap="flat" cmpd="sng" algn="ctr">
-                      <a:solidFill>
-                        <a:schemeClr val="tx1"/>
-                      </a:solidFill>
-                      <a:prstDash val="solid"/>
-                      <a:round/>
-                      <a:headEnd type="none" w="med" len="med"/>
-                      <a:tailEnd type="none" w="med" len="med"/>
-                    </a:lnR>
-                    <a:lnT w="12700" cap="flat" cmpd="sng" algn="ctr">
-                      <a:solidFill>
-                        <a:schemeClr val="tx1"/>
-                      </a:solidFill>
-                      <a:prstDash val="solid"/>
-                      <a:round/>
-                      <a:headEnd type="none" w="med" len="med"/>
-                      <a:tailEnd type="none" w="med" len="med"/>
-                    </a:lnT>
-                    <a:lnB w="12700" cap="flat" cmpd="sng" algn="ctr">
-                      <a:solidFill>
-                        <a:schemeClr val="tx1"/>
-                      </a:solidFill>
-                      <a:prstDash val="solid"/>
-                      <a:round/>
-                      <a:headEnd type="none" w="med" len="med"/>
-                      <a:tailEnd type="none" w="med" len="med"/>
-                    </a:lnB>
-                  </a:tcPr>
-                </a:tc>
-                <a:tc>
-                  <a:txBody>
-                    <a:bodyPr/>
-                    <a:lstStyle/>
-                    <a:p>
-                      <a:pPr algn="ctr"/>
-                      <a:r>
-                        <a:rPr lang="es-CO" sz="1000" dirty="0"/>
-                        <a:t>-</a:t>
-                      </a:r>
-                    </a:p>
-                  </a:txBody>
-                  <a:tcPr>
-                    <a:lnL w="12700" cap="flat" cmpd="sng" algn="ctr">
-                      <a:solidFill>
-                        <a:schemeClr val="tx1"/>
-                      </a:solidFill>
-                      <a:prstDash val="solid"/>
-                      <a:round/>
-                      <a:headEnd type="none" w="med" len="med"/>
-                      <a:tailEnd type="none" w="med" len="med"/>
-                    </a:lnL>
-                    <a:lnR w="12700" cap="flat" cmpd="sng" algn="ctr">
-                      <a:solidFill>
-                        <a:schemeClr val="tx1"/>
-                      </a:solidFill>
-                      <a:prstDash val="solid"/>
-                      <a:round/>
-                      <a:headEnd type="none" w="med" len="med"/>
-                      <a:tailEnd type="none" w="med" len="med"/>
-                    </a:lnR>
-                    <a:lnT w="12700" cap="flat" cmpd="sng" algn="ctr">
-                      <a:solidFill>
-                        <a:schemeClr val="tx1"/>
-                      </a:solidFill>
-                      <a:prstDash val="solid"/>
-                      <a:round/>
-                      <a:headEnd type="none" w="med" len="med"/>
-                      <a:tailEnd type="none" w="med" len="med"/>
-                    </a:lnT>
-                    <a:lnB w="12700" cap="flat" cmpd="sng" algn="ctr">
-                      <a:solidFill>
-                        <a:schemeClr val="tx1"/>
-                      </a:solidFill>
-                      <a:prstDash val="solid"/>
-                      <a:round/>
-                      <a:headEnd type="none" w="med" len="med"/>
-                      <a:tailEnd type="none" w="med" len="med"/>
-                    </a:lnB>
-                  </a:tcPr>
-                </a:tc>
-                <a:extLst>
-                  <a:ext uri="{0D108BD9-81ED-4DB2-BD59-A6C34878D82A}">
                     <a16:rowId xmlns:a16="http://schemas.microsoft.com/office/drawing/2014/main" val="1088546271"/>
                   </a:ext>
                 </a:extLst>
@@ -11557,363 +11395,10 @@
                       <a:r>
                         <a:rPr lang="es-CO" sz="1000" dirty="0">
                           <a:solidFill>
-                            <a:srgbClr val="FF0000"/>
-                          </a:solidFill>
-                          <a:highlight>
-                            <a:srgbClr val="FFFF00"/>
-                          </a:highlight>
-                        </a:rPr>
-                        <a:t>11 noviembre – 15 noviembre </a:t>
-                      </a:r>
-                    </a:p>
-                  </a:txBody>
-                  <a:tcPr>
-                    <a:lnL w="12700" cap="flat" cmpd="sng" algn="ctr">
-                      <a:solidFill>
-                        <a:schemeClr val="tx1"/>
-                      </a:solidFill>
-                      <a:prstDash val="solid"/>
-                      <a:round/>
-                      <a:headEnd type="none" w="med" len="med"/>
-                      <a:tailEnd type="none" w="med" len="med"/>
-                    </a:lnL>
-                    <a:lnR w="12700" cap="flat" cmpd="sng" algn="ctr">
-                      <a:solidFill>
-                        <a:schemeClr val="tx1"/>
-                      </a:solidFill>
-                      <a:prstDash val="solid"/>
-                      <a:round/>
-                      <a:headEnd type="none" w="med" len="med"/>
-                      <a:tailEnd type="none" w="med" len="med"/>
-                    </a:lnR>
-                    <a:lnT w="12700" cap="flat" cmpd="sng" algn="ctr">
-                      <a:solidFill>
-                        <a:schemeClr val="tx1"/>
-                      </a:solidFill>
-                      <a:prstDash val="solid"/>
-                      <a:round/>
-                      <a:headEnd type="none" w="med" len="med"/>
-                      <a:tailEnd type="none" w="med" len="med"/>
-                    </a:lnT>
-                    <a:lnB w="12700" cap="flat" cmpd="sng" algn="ctr">
-                      <a:solidFill>
-                        <a:schemeClr val="tx1"/>
-                      </a:solidFill>
-                      <a:prstDash val="solid"/>
-                      <a:round/>
-                      <a:headEnd type="none" w="med" len="med"/>
-                      <a:tailEnd type="none" w="med" len="med"/>
-                    </a:lnB>
-                  </a:tcPr>
-                </a:tc>
-                <a:tc>
-                  <a:txBody>
-                    <a:bodyPr/>
-                    <a:lstStyle/>
-                    <a:p>
-                      <a:pPr marL="0" marR="0" lvl="0" indent="0" algn="ctr" defTabSz="685800" rtl="0" eaLnBrk="1" fontAlgn="auto" latinLnBrk="0" hangingPunct="1">
-                        <a:lnSpc>
-                          <a:spcPct val="100000"/>
-                        </a:lnSpc>
-                        <a:spcBef>
-                          <a:spcPts val="0"/>
-                        </a:spcBef>
-                        <a:spcAft>
-                          <a:spcPts val="0"/>
-                        </a:spcAft>
-                        <a:buClrTx/>
-                        <a:buSzTx/>
-                        <a:buFontTx/>
-                        <a:buNone/>
-                        <a:tabLst/>
-                        <a:defRPr/>
-                      </a:pPr>
-                      <a:r>
-                        <a:rPr lang="es-CO" sz="1000" b="1" u="sng" dirty="0">
-                          <a:solidFill>
-                            <a:srgbClr val="C00000"/>
-                          </a:solidFill>
-                        </a:rPr>
-                        <a:t>-</a:t>
-                      </a:r>
-                    </a:p>
-                  </a:txBody>
-                  <a:tcPr>
-                    <a:lnL w="12700" cap="flat" cmpd="sng" algn="ctr">
-                      <a:solidFill>
-                        <a:schemeClr val="tx1"/>
-                      </a:solidFill>
-                      <a:prstDash val="solid"/>
-                      <a:round/>
-                      <a:headEnd type="none" w="med" len="med"/>
-                      <a:tailEnd type="none" w="med" len="med"/>
-                    </a:lnL>
-                    <a:lnR w="12700" cap="flat" cmpd="sng" algn="ctr">
-                      <a:solidFill>
-                        <a:schemeClr val="tx1"/>
-                      </a:solidFill>
-                      <a:prstDash val="solid"/>
-                      <a:round/>
-                      <a:headEnd type="none" w="med" len="med"/>
-                      <a:tailEnd type="none" w="med" len="med"/>
-                    </a:lnR>
-                    <a:lnT w="12700" cap="flat" cmpd="sng" algn="ctr">
-                      <a:solidFill>
-                        <a:schemeClr val="tx1"/>
-                      </a:solidFill>
-                      <a:prstDash val="solid"/>
-                      <a:round/>
-                      <a:headEnd type="none" w="med" len="med"/>
-                      <a:tailEnd type="none" w="med" len="med"/>
-                    </a:lnT>
-                    <a:lnB w="12700" cap="flat" cmpd="sng" algn="ctr">
-                      <a:solidFill>
-                        <a:schemeClr val="tx1"/>
-                      </a:solidFill>
-                      <a:prstDash val="solid"/>
-                      <a:round/>
-                      <a:headEnd type="none" w="med" len="med"/>
-                      <a:tailEnd type="none" w="med" len="med"/>
-                    </a:lnB>
-                  </a:tcPr>
-                </a:tc>
-                <a:extLst>
-                  <a:ext uri="{0D108BD9-81ED-4DB2-BD59-A6C34878D82A}">
-                    <a16:rowId xmlns:a16="http://schemas.microsoft.com/office/drawing/2014/main" val="2357030376"/>
-                  </a:ext>
-                </a:extLst>
-              </a:tr>
-              <a:tr h="269131">
-                <a:tc>
-                  <a:txBody>
-                    <a:bodyPr/>
-                    <a:lstStyle/>
-                    <a:p>
-                      <a:pPr algn="ctr"/>
-                      <a:r>
-                        <a:rPr lang="es-ES" sz="1000" dirty="0"/>
-                        <a:t>17</a:t>
-                      </a:r>
-                      <a:endParaRPr lang="es-CO" sz="1000" dirty="0"/>
-                    </a:p>
-                  </a:txBody>
-                  <a:tcPr>
-                    <a:lnL w="12700" cap="flat" cmpd="sng" algn="ctr">
-                      <a:solidFill>
-                        <a:schemeClr val="tx1"/>
-                      </a:solidFill>
-                      <a:prstDash val="solid"/>
-                      <a:round/>
-                      <a:headEnd type="none" w="med" len="med"/>
-                      <a:tailEnd type="none" w="med" len="med"/>
-                    </a:lnL>
-                    <a:lnR w="12700" cap="flat" cmpd="sng" algn="ctr">
-                      <a:solidFill>
-                        <a:schemeClr val="tx1"/>
-                      </a:solidFill>
-                      <a:prstDash val="solid"/>
-                      <a:round/>
-                      <a:headEnd type="none" w="med" len="med"/>
-                      <a:tailEnd type="none" w="med" len="med"/>
-                    </a:lnR>
-                    <a:lnT w="12700" cap="flat" cmpd="sng" algn="ctr">
-                      <a:solidFill>
-                        <a:schemeClr val="tx1"/>
-                      </a:solidFill>
-                      <a:prstDash val="solid"/>
-                      <a:round/>
-                      <a:headEnd type="none" w="med" len="med"/>
-                      <a:tailEnd type="none" w="med" len="med"/>
-                    </a:lnT>
-                    <a:lnB w="12700" cap="flat" cmpd="sng" algn="ctr">
-                      <a:solidFill>
-                        <a:schemeClr val="tx1"/>
-                      </a:solidFill>
-                      <a:prstDash val="solid"/>
-                      <a:round/>
-                      <a:headEnd type="none" w="med" len="med"/>
-                      <a:tailEnd type="none" w="med" len="med"/>
-                    </a:lnB>
-                  </a:tcPr>
-                </a:tc>
-                <a:tc>
-                  <a:txBody>
-                    <a:bodyPr/>
-                    <a:lstStyle/>
-                    <a:p>
-                      <a:pPr algn="ctr"/>
-                      <a:r>
-                        <a:rPr lang="es-CO" sz="1000" dirty="0">
-                          <a:solidFill>
                             <a:schemeClr val="tx1"/>
                           </a:solidFill>
                         </a:rPr>
-                        <a:t>18 noviembre – 22 noviembre</a:t>
-                      </a:r>
-                    </a:p>
-                  </a:txBody>
-                  <a:tcPr>
-                    <a:lnL w="12700" cap="flat" cmpd="sng" algn="ctr">
-                      <a:solidFill>
-                        <a:schemeClr val="tx1"/>
-                      </a:solidFill>
-                      <a:prstDash val="solid"/>
-                      <a:round/>
-                      <a:headEnd type="none" w="med" len="med"/>
-                      <a:tailEnd type="none" w="med" len="med"/>
-                    </a:lnL>
-                    <a:lnR w="12700" cap="flat" cmpd="sng" algn="ctr">
-                      <a:solidFill>
-                        <a:schemeClr val="tx1"/>
-                      </a:solidFill>
-                      <a:prstDash val="solid"/>
-                      <a:round/>
-                      <a:headEnd type="none" w="med" len="med"/>
-                      <a:tailEnd type="none" w="med" len="med"/>
-                    </a:lnR>
-                    <a:lnT w="12700" cap="flat" cmpd="sng" algn="ctr">
-                      <a:solidFill>
-                        <a:schemeClr val="tx1"/>
-                      </a:solidFill>
-                      <a:prstDash val="solid"/>
-                      <a:round/>
-                      <a:headEnd type="none" w="med" len="med"/>
-                      <a:tailEnd type="none" w="med" len="med"/>
-                    </a:lnT>
-                    <a:lnB w="12700" cap="flat" cmpd="sng" algn="ctr">
-                      <a:solidFill>
-                        <a:schemeClr val="tx1"/>
-                      </a:solidFill>
-                      <a:prstDash val="solid"/>
-                      <a:round/>
-                      <a:headEnd type="none" w="med" len="med"/>
-                      <a:tailEnd type="none" w="med" len="med"/>
-                    </a:lnB>
-                  </a:tcPr>
-                </a:tc>
-                <a:tc>
-                  <a:txBody>
-                    <a:bodyPr/>
-                    <a:lstStyle/>
-                    <a:p>
-                      <a:pPr algn="ctr"/>
-                      <a:endParaRPr lang="es-CO" sz="1000" b="1" u="sng" dirty="0">
-                        <a:solidFill>
-                          <a:srgbClr val="C00000"/>
-                        </a:solidFill>
-                      </a:endParaRPr>
-                    </a:p>
-                  </a:txBody>
-                  <a:tcPr>
-                    <a:lnL w="12700" cap="flat" cmpd="sng" algn="ctr">
-                      <a:solidFill>
-                        <a:schemeClr val="tx1"/>
-                      </a:solidFill>
-                      <a:prstDash val="solid"/>
-                      <a:round/>
-                      <a:headEnd type="none" w="med" len="med"/>
-                      <a:tailEnd type="none" w="med" len="med"/>
-                    </a:lnL>
-                    <a:lnR w="12700" cap="flat" cmpd="sng" algn="ctr">
-                      <a:solidFill>
-                        <a:schemeClr val="tx1"/>
-                      </a:solidFill>
-                      <a:prstDash val="solid"/>
-                      <a:round/>
-                      <a:headEnd type="none" w="med" len="med"/>
-                      <a:tailEnd type="none" w="med" len="med"/>
-                    </a:lnR>
-                    <a:lnT w="12700" cap="flat" cmpd="sng" algn="ctr">
-                      <a:solidFill>
-                        <a:schemeClr val="tx1"/>
-                      </a:solidFill>
-                      <a:prstDash val="solid"/>
-                      <a:round/>
-                      <a:headEnd type="none" w="med" len="med"/>
-                      <a:tailEnd type="none" w="med" len="med"/>
-                    </a:lnT>
-                    <a:lnB w="12700" cap="flat" cmpd="sng" algn="ctr">
-                      <a:solidFill>
-                        <a:schemeClr val="tx1"/>
-                      </a:solidFill>
-                      <a:prstDash val="solid"/>
-                      <a:round/>
-                      <a:headEnd type="none" w="med" len="med"/>
-                      <a:tailEnd type="none" w="med" len="med"/>
-                    </a:lnB>
-                  </a:tcPr>
-                </a:tc>
-                <a:extLst>
-                  <a:ext uri="{0D108BD9-81ED-4DB2-BD59-A6C34878D82A}">
-                    <a16:rowId xmlns:a16="http://schemas.microsoft.com/office/drawing/2014/main" val="4092288061"/>
-                  </a:ext>
-                </a:extLst>
-              </a:tr>
-              <a:tr h="269131">
-                <a:tc>
-                  <a:txBody>
-                    <a:bodyPr/>
-                    <a:lstStyle/>
-                    <a:p>
-                      <a:pPr algn="ctr"/>
-                      <a:r>
-                        <a:rPr lang="es-CO" sz="1000" dirty="0"/>
-                        <a:t>18</a:t>
-                      </a:r>
-                    </a:p>
-                  </a:txBody>
-                  <a:tcPr>
-                    <a:lnL w="12700" cap="flat" cmpd="sng" algn="ctr">
-                      <a:solidFill>
-                        <a:schemeClr val="tx1"/>
-                      </a:solidFill>
-                      <a:prstDash val="solid"/>
-                      <a:round/>
-                      <a:headEnd type="none" w="med" len="med"/>
-                      <a:tailEnd type="none" w="med" len="med"/>
-                    </a:lnL>
-                    <a:lnR w="12700" cap="flat" cmpd="sng" algn="ctr">
-                      <a:solidFill>
-                        <a:schemeClr val="tx1"/>
-                      </a:solidFill>
-                      <a:prstDash val="solid"/>
-                      <a:round/>
-                      <a:headEnd type="none" w="med" len="med"/>
-                      <a:tailEnd type="none" w="med" len="med"/>
-                    </a:lnR>
-                    <a:lnT w="12700" cap="flat" cmpd="sng" algn="ctr">
-                      <a:solidFill>
-                        <a:schemeClr val="tx1"/>
-                      </a:solidFill>
-                      <a:prstDash val="solid"/>
-                      <a:round/>
-                      <a:headEnd type="none" w="med" len="med"/>
-                      <a:tailEnd type="none" w="med" len="med"/>
-                    </a:lnT>
-                    <a:lnB w="12700" cap="flat" cmpd="sng" algn="ctr">
-                      <a:solidFill>
-                        <a:schemeClr val="tx1"/>
-                      </a:solidFill>
-                      <a:prstDash val="solid"/>
-                      <a:round/>
-                      <a:headEnd type="none" w="med" len="med"/>
-                      <a:tailEnd type="none" w="med" len="med"/>
-                    </a:lnB>
-                  </a:tcPr>
-                </a:tc>
-                <a:tc>
-                  <a:txBody>
-                    <a:bodyPr/>
-                    <a:lstStyle/>
-                    <a:p>
-                      <a:pPr algn="ctr"/>
-                      <a:r>
-                        <a:rPr lang="es-CO" sz="1000" dirty="0">
-                          <a:solidFill>
-                            <a:schemeClr val="tx1"/>
-                          </a:solidFill>
-                        </a:rPr>
-                        <a:t>25 noviembre – 29 noviembre</a:t>
+                        <a:t>19 mayo – 23 mayo</a:t>
                       </a:r>
                     </a:p>
                   </a:txBody>
@@ -12026,7 +11511,7 @@
                 </a:tc>
                 <a:extLst>
                   <a:ext uri="{0D108BD9-81ED-4DB2-BD59-A6C34878D82A}">
-                    <a16:rowId xmlns:a16="http://schemas.microsoft.com/office/drawing/2014/main" val="747768826"/>
+                    <a16:rowId xmlns:a16="http://schemas.microsoft.com/office/drawing/2014/main" val="2357030376"/>
                   </a:ext>
                 </a:extLst>
               </a:tr>
@@ -12038,9 +11523,10 @@
                     <a:p>
                       <a:pPr algn="ctr"/>
                       <a:r>
-                        <a:rPr lang="es-CO" sz="1000" dirty="0"/>
-                        <a:t>19</a:t>
+                        <a:rPr lang="es-ES" sz="1000" dirty="0"/>
+                        <a:t>17</a:t>
                       </a:r>
+                      <a:endParaRPr lang="es-CO" sz="1000" dirty="0"/>
                     </a:p>
                   </a:txBody>
                   <a:tcPr>
@@ -12094,7 +11580,175 @@
                             <a:schemeClr val="tx1"/>
                           </a:solidFill>
                         </a:rPr>
-                        <a:t>3 diciembre – 7 diciembre</a:t>
+                        <a:t>26 mayo – 30 mayo</a:t>
+                      </a:r>
+                    </a:p>
+                  </a:txBody>
+                  <a:tcPr>
+                    <a:lnL w="12700" cap="flat" cmpd="sng" algn="ctr">
+                      <a:solidFill>
+                        <a:schemeClr val="tx1"/>
+                      </a:solidFill>
+                      <a:prstDash val="solid"/>
+                      <a:round/>
+                      <a:headEnd type="none" w="med" len="med"/>
+                      <a:tailEnd type="none" w="med" len="med"/>
+                    </a:lnL>
+                    <a:lnR w="12700" cap="flat" cmpd="sng" algn="ctr">
+                      <a:solidFill>
+                        <a:schemeClr val="tx1"/>
+                      </a:solidFill>
+                      <a:prstDash val="solid"/>
+                      <a:round/>
+                      <a:headEnd type="none" w="med" len="med"/>
+                      <a:tailEnd type="none" w="med" len="med"/>
+                    </a:lnR>
+                    <a:lnT w="12700" cap="flat" cmpd="sng" algn="ctr">
+                      <a:solidFill>
+                        <a:schemeClr val="tx1"/>
+                      </a:solidFill>
+                      <a:prstDash val="solid"/>
+                      <a:round/>
+                      <a:headEnd type="none" w="med" len="med"/>
+                      <a:tailEnd type="none" w="med" len="med"/>
+                    </a:lnT>
+                    <a:lnB w="12700" cap="flat" cmpd="sng" algn="ctr">
+                      <a:solidFill>
+                        <a:schemeClr val="tx1"/>
+                      </a:solidFill>
+                      <a:prstDash val="solid"/>
+                      <a:round/>
+                      <a:headEnd type="none" w="med" len="med"/>
+                      <a:tailEnd type="none" w="med" len="med"/>
+                    </a:lnB>
+                  </a:tcPr>
+                </a:tc>
+                <a:tc>
+                  <a:txBody>
+                    <a:bodyPr/>
+                    <a:lstStyle/>
+                    <a:p>
+                      <a:pPr algn="ctr"/>
+                      <a:endParaRPr lang="es-CO" sz="1000" b="1" u="sng" dirty="0">
+                        <a:solidFill>
+                          <a:srgbClr val="C00000"/>
+                        </a:solidFill>
+                      </a:endParaRPr>
+                    </a:p>
+                  </a:txBody>
+                  <a:tcPr>
+                    <a:lnL w="12700" cap="flat" cmpd="sng" algn="ctr">
+                      <a:solidFill>
+                        <a:schemeClr val="tx1"/>
+                      </a:solidFill>
+                      <a:prstDash val="solid"/>
+                      <a:round/>
+                      <a:headEnd type="none" w="med" len="med"/>
+                      <a:tailEnd type="none" w="med" len="med"/>
+                    </a:lnL>
+                    <a:lnR w="12700" cap="flat" cmpd="sng" algn="ctr">
+                      <a:solidFill>
+                        <a:schemeClr val="tx1"/>
+                      </a:solidFill>
+                      <a:prstDash val="solid"/>
+                      <a:round/>
+                      <a:headEnd type="none" w="med" len="med"/>
+                      <a:tailEnd type="none" w="med" len="med"/>
+                    </a:lnR>
+                    <a:lnT w="12700" cap="flat" cmpd="sng" algn="ctr">
+                      <a:solidFill>
+                        <a:schemeClr val="tx1"/>
+                      </a:solidFill>
+                      <a:prstDash val="solid"/>
+                      <a:round/>
+                      <a:headEnd type="none" w="med" len="med"/>
+                      <a:tailEnd type="none" w="med" len="med"/>
+                    </a:lnT>
+                    <a:lnB w="12700" cap="flat" cmpd="sng" algn="ctr">
+                      <a:solidFill>
+                        <a:schemeClr val="tx1"/>
+                      </a:solidFill>
+                      <a:prstDash val="solid"/>
+                      <a:round/>
+                      <a:headEnd type="none" w="med" len="med"/>
+                      <a:tailEnd type="none" w="med" len="med"/>
+                    </a:lnB>
+                  </a:tcPr>
+                </a:tc>
+                <a:extLst>
+                  <a:ext uri="{0D108BD9-81ED-4DB2-BD59-A6C34878D82A}">
+                    <a16:rowId xmlns:a16="http://schemas.microsoft.com/office/drawing/2014/main" val="4092288061"/>
+                  </a:ext>
+                </a:extLst>
+              </a:tr>
+              <a:tr h="269131">
+                <a:tc>
+                  <a:txBody>
+                    <a:bodyPr/>
+                    <a:lstStyle/>
+                    <a:p>
+                      <a:pPr algn="ctr"/>
+                      <a:r>
+                        <a:rPr lang="es-CO" sz="1000" dirty="0"/>
+                        <a:t>18</a:t>
+                      </a:r>
+                    </a:p>
+                  </a:txBody>
+                  <a:tcPr>
+                    <a:lnL w="12700" cap="flat" cmpd="sng" algn="ctr">
+                      <a:solidFill>
+                        <a:schemeClr val="tx1"/>
+                      </a:solidFill>
+                      <a:prstDash val="solid"/>
+                      <a:round/>
+                      <a:headEnd type="none" w="med" len="med"/>
+                      <a:tailEnd type="none" w="med" len="med"/>
+                    </a:lnL>
+                    <a:lnR w="12700" cap="flat" cmpd="sng" algn="ctr">
+                      <a:solidFill>
+                        <a:schemeClr val="tx1"/>
+                      </a:solidFill>
+                      <a:prstDash val="solid"/>
+                      <a:round/>
+                      <a:headEnd type="none" w="med" len="med"/>
+                      <a:tailEnd type="none" w="med" len="med"/>
+                    </a:lnR>
+                    <a:lnT w="12700" cap="flat" cmpd="sng" algn="ctr">
+                      <a:solidFill>
+                        <a:schemeClr val="tx1"/>
+                      </a:solidFill>
+                      <a:prstDash val="solid"/>
+                      <a:round/>
+                      <a:headEnd type="none" w="med" len="med"/>
+                      <a:tailEnd type="none" w="med" len="med"/>
+                    </a:lnT>
+                    <a:lnB w="12700" cap="flat" cmpd="sng" algn="ctr">
+                      <a:solidFill>
+                        <a:schemeClr val="tx1"/>
+                      </a:solidFill>
+                      <a:prstDash val="solid"/>
+                      <a:round/>
+                      <a:headEnd type="none" w="med" len="med"/>
+                      <a:tailEnd type="none" w="med" len="med"/>
+                    </a:lnB>
+                  </a:tcPr>
+                </a:tc>
+                <a:tc>
+                  <a:txBody>
+                    <a:bodyPr/>
+                    <a:lstStyle/>
+                    <a:p>
+                      <a:pPr algn="ctr"/>
+                      <a:r>
+                        <a:rPr lang="es-CO" sz="1000" dirty="0">
+                          <a:solidFill>
+                            <a:srgbClr val="FF0000"/>
+                          </a:solidFill>
+                          <a:highlight>
+                            <a:srgbClr val="FFFF00"/>
+                          </a:highlight>
+                        </a:rPr>
+                        <a:t>2 junio – 6 junio </a:t>
                       </a:r>
                     </a:p>
                   </a:txBody>
@@ -12210,7 +11864,7 @@
                 </a:tc>
                 <a:extLst>
                   <a:ext uri="{0D108BD9-81ED-4DB2-BD59-A6C34878D82A}">
-                    <a16:rowId xmlns:a16="http://schemas.microsoft.com/office/drawing/2014/main" val="4128284738"/>
+                    <a16:rowId xmlns:a16="http://schemas.microsoft.com/office/drawing/2014/main" val="747768826"/>
                   </a:ext>
                 </a:extLst>
               </a:tr>
@@ -12218,6 +11872,228 @@
           </a:graphicData>
         </a:graphic>
       </p:graphicFrame>
+      <p:sp>
+        <p:nvSpPr>
+          <p:cNvPr id="7" name="Rectángulo 9">
+            <a:extLst>
+              <a:ext uri="{FF2B5EF4-FFF2-40B4-BE49-F238E27FC236}">
+                <a16:creationId xmlns:a16="http://schemas.microsoft.com/office/drawing/2014/main" id="{AF7EF352-AB60-8713-979F-4C448C42F111}"/>
+              </a:ext>
+            </a:extLst>
+          </p:cNvPr>
+          <p:cNvSpPr>
+            <a:spLocks noChangeArrowheads="1"/>
+          </p:cNvSpPr>
+          <p:nvPr/>
+        </p:nvSpPr>
+        <p:spPr bwMode="auto">
+          <a:xfrm>
+            <a:off x="4540642" y="6188199"/>
+            <a:ext cx="4010025" cy="523220"/>
+          </a:xfrm>
+          <a:prstGeom prst="rect">
+            <a:avLst/>
+          </a:prstGeom>
+          <a:noFill/>
+          <a:ln>
+            <a:noFill/>
+          </a:ln>
+          <a:extLst>
+            <a:ext uri="{909E8E84-426E-40DD-AFC4-6F175D3DCCD1}">
+              <a14:hiddenFill xmlns:a14="http://schemas.microsoft.com/office/drawing/2010/main">
+                <a:solidFill>
+                  <a:srgbClr val="FFFFFF"/>
+                </a:solidFill>
+              </a14:hiddenFill>
+            </a:ext>
+            <a:ext uri="{91240B29-F687-4F45-9708-019B960494DF}">
+              <a14:hiddenLine xmlns:a14="http://schemas.microsoft.com/office/drawing/2010/main" w="9525">
+                <a:solidFill>
+                  <a:srgbClr val="000000"/>
+                </a:solidFill>
+                <a:miter lim="800000"/>
+                <a:headEnd/>
+                <a:tailEnd/>
+              </a14:hiddenLine>
+            </a:ext>
+          </a:extLst>
+        </p:spPr>
+        <p:txBody>
+          <a:bodyPr>
+            <a:spAutoFit/>
+          </a:bodyPr>
+          <a:lstStyle>
+            <a:lvl1pPr>
+              <a:spcBef>
+                <a:spcPct val="20000"/>
+              </a:spcBef>
+              <a:buFont typeface="Arial" panose="020B0604020202020204" pitchFamily="34" charset="0"/>
+              <a:buChar char="•"/>
+              <a:defRPr sz="3200">
+                <a:solidFill>
+                  <a:schemeClr val="tx1"/>
+                </a:solidFill>
+                <a:latin typeface="Arial" panose="020B0604020202020204" pitchFamily="34" charset="0"/>
+                <a:cs typeface="Arial" panose="020B0604020202020204" pitchFamily="34" charset="0"/>
+              </a:defRPr>
+            </a:lvl1pPr>
+            <a:lvl2pPr marL="742950" indent="-285750">
+              <a:spcBef>
+                <a:spcPct val="20000"/>
+              </a:spcBef>
+              <a:buFont typeface="Arial" panose="020B0604020202020204" pitchFamily="34" charset="0"/>
+              <a:buChar char="–"/>
+              <a:defRPr sz="2800">
+                <a:solidFill>
+                  <a:schemeClr val="tx1"/>
+                </a:solidFill>
+                <a:latin typeface="Arial" panose="020B0604020202020204" pitchFamily="34" charset="0"/>
+                <a:cs typeface="Arial" panose="020B0604020202020204" pitchFamily="34" charset="0"/>
+              </a:defRPr>
+            </a:lvl2pPr>
+            <a:lvl3pPr marL="1143000" indent="-228600">
+              <a:spcBef>
+                <a:spcPct val="20000"/>
+              </a:spcBef>
+              <a:buFont typeface="Arial" panose="020B0604020202020204" pitchFamily="34" charset="0"/>
+              <a:buChar char="•"/>
+              <a:defRPr sz="2400">
+                <a:solidFill>
+                  <a:schemeClr val="tx1"/>
+                </a:solidFill>
+                <a:latin typeface="Arial" panose="020B0604020202020204" pitchFamily="34" charset="0"/>
+                <a:cs typeface="Arial" panose="020B0604020202020204" pitchFamily="34" charset="0"/>
+              </a:defRPr>
+            </a:lvl3pPr>
+            <a:lvl4pPr marL="1600200" indent="-228600">
+              <a:spcBef>
+                <a:spcPct val="20000"/>
+              </a:spcBef>
+              <a:buFont typeface="Arial" panose="020B0604020202020204" pitchFamily="34" charset="0"/>
+              <a:buChar char="–"/>
+              <a:defRPr sz="2000">
+                <a:solidFill>
+                  <a:schemeClr val="tx1"/>
+                </a:solidFill>
+                <a:latin typeface="Arial" panose="020B0604020202020204" pitchFamily="34" charset="0"/>
+                <a:cs typeface="Arial" panose="020B0604020202020204" pitchFamily="34" charset="0"/>
+              </a:defRPr>
+            </a:lvl4pPr>
+            <a:lvl5pPr marL="2057400" indent="-228600">
+              <a:spcBef>
+                <a:spcPct val="20000"/>
+              </a:spcBef>
+              <a:buFont typeface="Arial" panose="020B0604020202020204" pitchFamily="34" charset="0"/>
+              <a:buChar char="»"/>
+              <a:defRPr sz="2000">
+                <a:solidFill>
+                  <a:schemeClr val="tx1"/>
+                </a:solidFill>
+                <a:latin typeface="Arial" panose="020B0604020202020204" pitchFamily="34" charset="0"/>
+                <a:cs typeface="Arial" panose="020B0604020202020204" pitchFamily="34" charset="0"/>
+              </a:defRPr>
+            </a:lvl5pPr>
+            <a:lvl6pPr marL="2514600" indent="-228600" eaLnBrk="0" fontAlgn="base" hangingPunct="0">
+              <a:spcBef>
+                <a:spcPct val="20000"/>
+              </a:spcBef>
+              <a:spcAft>
+                <a:spcPct val="0"/>
+              </a:spcAft>
+              <a:buFont typeface="Arial" panose="020B0604020202020204" pitchFamily="34" charset="0"/>
+              <a:buChar char="»"/>
+              <a:defRPr sz="2000">
+                <a:solidFill>
+                  <a:schemeClr val="tx1"/>
+                </a:solidFill>
+                <a:latin typeface="Arial" panose="020B0604020202020204" pitchFamily="34" charset="0"/>
+                <a:cs typeface="Arial" panose="020B0604020202020204" pitchFamily="34" charset="0"/>
+              </a:defRPr>
+            </a:lvl6pPr>
+            <a:lvl7pPr marL="2971800" indent="-228600" eaLnBrk="0" fontAlgn="base" hangingPunct="0">
+              <a:spcBef>
+                <a:spcPct val="20000"/>
+              </a:spcBef>
+              <a:spcAft>
+                <a:spcPct val="0"/>
+              </a:spcAft>
+              <a:buFont typeface="Arial" panose="020B0604020202020204" pitchFamily="34" charset="0"/>
+              <a:buChar char="»"/>
+              <a:defRPr sz="2000">
+                <a:solidFill>
+                  <a:schemeClr val="tx1"/>
+                </a:solidFill>
+                <a:latin typeface="Arial" panose="020B0604020202020204" pitchFamily="34" charset="0"/>
+                <a:cs typeface="Arial" panose="020B0604020202020204" pitchFamily="34" charset="0"/>
+              </a:defRPr>
+            </a:lvl7pPr>
+            <a:lvl8pPr marL="3429000" indent="-228600" eaLnBrk="0" fontAlgn="base" hangingPunct="0">
+              <a:spcBef>
+                <a:spcPct val="20000"/>
+              </a:spcBef>
+              <a:spcAft>
+                <a:spcPct val="0"/>
+              </a:spcAft>
+              <a:buFont typeface="Arial" panose="020B0604020202020204" pitchFamily="34" charset="0"/>
+              <a:buChar char="»"/>
+              <a:defRPr sz="2000">
+                <a:solidFill>
+                  <a:schemeClr val="tx1"/>
+                </a:solidFill>
+                <a:latin typeface="Arial" panose="020B0604020202020204" pitchFamily="34" charset="0"/>
+                <a:cs typeface="Arial" panose="020B0604020202020204" pitchFamily="34" charset="0"/>
+              </a:defRPr>
+            </a:lvl8pPr>
+            <a:lvl9pPr marL="3886200" indent="-228600" eaLnBrk="0" fontAlgn="base" hangingPunct="0">
+              <a:spcBef>
+                <a:spcPct val="20000"/>
+              </a:spcBef>
+              <a:spcAft>
+                <a:spcPct val="0"/>
+              </a:spcAft>
+              <a:buFont typeface="Arial" panose="020B0604020202020204" pitchFamily="34" charset="0"/>
+              <a:buChar char="»"/>
+              <a:defRPr sz="2000">
+                <a:solidFill>
+                  <a:schemeClr val="tx1"/>
+                </a:solidFill>
+                <a:latin typeface="Arial" panose="020B0604020202020204" pitchFamily="34" charset="0"/>
+                <a:cs typeface="Arial" panose="020B0604020202020204" pitchFamily="34" charset="0"/>
+              </a:defRPr>
+            </a:lvl9pPr>
+          </a:lstStyle>
+          <a:p>
+            <a:pPr algn="ctr">
+              <a:spcBef>
+                <a:spcPct val="0"/>
+              </a:spcBef>
+              <a:buFontTx/>
+              <a:buNone/>
+            </a:pPr>
+            <a:r>
+              <a:rPr lang="es-CO" altLang="es-CO" sz="1200" dirty="0"/>
+              <a:t> </a:t>
+            </a:r>
+            <a:r>
+              <a:rPr lang="es-CO" altLang="es-CO" sz="1400" dirty="0"/>
+              <a:t>Martes:       18:10 - 20:00</a:t>
+            </a:r>
+          </a:p>
+          <a:p>
+            <a:pPr algn="ctr">
+              <a:spcBef>
+                <a:spcPct val="0"/>
+              </a:spcBef>
+              <a:buFontTx/>
+              <a:buNone/>
+            </a:pPr>
+            <a:r>
+              <a:rPr lang="es-CO" altLang="es-CO" sz="1400" dirty="0"/>
+              <a:t> Martes:      20:20 – 21:30</a:t>
+            </a:r>
+          </a:p>
+        </p:txBody>
+      </p:sp>
     </p:spTree>
     <p:extLst>
       <p:ext uri="{BB962C8B-B14F-4D97-AF65-F5344CB8AC3E}">
@@ -13139,7 +13015,7 @@
             <a:pPr algn="ctr" eaLnBrk="1" hangingPunct="1"/>
             <a:r>
               <a:rPr lang="es-CO" altLang="es-CO" sz="3600" b="0" dirty="0"/>
-              <a:t>15</a:t>
+              <a:t>4</a:t>
             </a:r>
           </a:p>
         </p:txBody>
@@ -13936,9 +13812,10 @@
           <a:p>
             <a:pPr algn="ctr" eaLnBrk="1" hangingPunct="1"/>
             <a:r>
-              <a:rPr lang="es-CO" altLang="es-CO" sz="3600" b="0" dirty="0"/>
-              <a:t>20</a:t>
-            </a:r>
+              <a:rPr lang="es-CO" altLang="es-CO" sz="3600" b="0"/>
+              <a:t>5</a:t>
+            </a:r>
+            <a:endParaRPr lang="es-CO" altLang="es-CO" sz="3600" b="0" dirty="0"/>
           </a:p>
         </p:txBody>
       </p:sp>
@@ -15173,20 +15050,20 @@
 </file>
 
 <file path=customXml/item1.xml><?xml version="1.0" encoding="utf-8"?>
-<p:properties xmlns:p="http://schemas.microsoft.com/office/2006/metadata/properties" xmlns:xsi="http://www.w3.org/2001/XMLSchema-instance" xmlns:pc="http://schemas.microsoft.com/office/infopath/2007/PartnerControls">
-  <documentManagement>
-    <_activity xmlns="bdc56f61-abc0-4f7e-bfec-a93ccd1ae886" xsi:nil="true"/>
-  </documentManagement>
-</p:properties>
-</file>
-
-<file path=customXml/item2.xml><?xml version="1.0" encoding="utf-8"?>
 <?mso-contentType ?>
 <FormTemplates xmlns="http://schemas.microsoft.com/sharepoint/v3/contenttype/forms">
   <Display>DocumentLibraryForm</Display>
   <Edit>DocumentLibraryForm</Edit>
   <New>DocumentLibraryForm</New>
 </FormTemplates>
+</file>
+
+<file path=customXml/item2.xml><?xml version="1.0" encoding="utf-8"?>
+<p:properties xmlns:p="http://schemas.microsoft.com/office/2006/metadata/properties" xmlns:xsi="http://www.w3.org/2001/XMLSchema-instance" xmlns:pc="http://schemas.microsoft.com/office/infopath/2007/PartnerControls">
+  <documentManagement>
+    <_activity xmlns="bdc56f61-abc0-4f7e-bfec-a93ccd1ae886" xsi:nil="true"/>
+  </documentManagement>
+</p:properties>
 </file>
 
 <file path=customXml/item3.xml><?xml version="1.0" encoding="utf-8"?>
@@ -15425,6 +15302,14 @@
 </file>
 
 <file path=customXml/itemProps1.xml><?xml version="1.0" encoding="utf-8"?>
+<ds:datastoreItem xmlns:ds="http://schemas.openxmlformats.org/officeDocument/2006/customXml" ds:itemID="{4E8623C8-32E1-48B0-9F0A-13F2E9582B7E}">
+  <ds:schemaRefs>
+    <ds:schemaRef ds:uri="http://schemas.microsoft.com/sharepoint/v3/contenttype/forms"/>
+  </ds:schemaRefs>
+</ds:datastoreItem>
+</file>
+
+<file path=customXml/itemProps2.xml><?xml version="1.0" encoding="utf-8"?>
 <ds:datastoreItem xmlns:ds="http://schemas.openxmlformats.org/officeDocument/2006/customXml" ds:itemID="{0825853C-1B27-4995-A583-4D39F900BB7F}">
   <ds:schemaRefs>
     <ds:schemaRef ds:uri="669280c1-d17e-4d1d-bd7f-b4f14cc6bf1d"/>
@@ -15437,14 +15322,6 @@
     <ds:schemaRef ds:uri="http://schemas.microsoft.com/office/infopath/2007/PartnerControls"/>
     <ds:schemaRef ds:uri="http://schemas.openxmlformats.org/package/2006/metadata/core-properties"/>
     <ds:schemaRef ds:uri="http://www.w3.org/XML/1998/namespace"/>
-  </ds:schemaRefs>
-</ds:datastoreItem>
-</file>
-
-<file path=customXml/itemProps2.xml><?xml version="1.0" encoding="utf-8"?>
-<ds:datastoreItem xmlns:ds="http://schemas.openxmlformats.org/officeDocument/2006/customXml" ds:itemID="{4E8623C8-32E1-48B0-9F0A-13F2E9582B7E}">
-  <ds:schemaRefs>
-    <ds:schemaRef ds:uri="http://schemas.microsoft.com/sharepoint/v3/contenttype/forms"/>
   </ds:schemaRefs>
 </ds:datastoreItem>
 </file>

--- a/Sesión_1/Actividad.pptx
+++ b/Sesión_1/Actividad.pptx
@@ -716,7 +716,7 @@
   <pc:docChgLst>
     <pc:chgData name="JHEYSON FABIAN VILLAVISAN BUITRAGO" userId="e5ced5c2-d787-455d-b115-4f08a699b8c8" providerId="ADAL" clId="{3CBAB24D-24CD-4EF7-ADA3-B0C8AACED620}"/>
     <pc:docChg chg="custSel delSld modSld modSection">
-      <pc:chgData name="JHEYSON FABIAN VILLAVISAN BUITRAGO" userId="e5ced5c2-d787-455d-b115-4f08a699b8c8" providerId="ADAL" clId="{3CBAB24D-24CD-4EF7-ADA3-B0C8AACED620}" dt="2025-01-04T23:15:28.675" v="51" actId="20577"/>
+      <pc:chgData name="JHEYSON FABIAN VILLAVISAN BUITRAGO" userId="e5ced5c2-d787-455d-b115-4f08a699b8c8" providerId="ADAL" clId="{3CBAB24D-24CD-4EF7-ADA3-B0C8AACED620}" dt="2025-01-08T16:22:43.233" v="56" actId="20577"/>
       <pc:docMkLst>
         <pc:docMk/>
       </pc:docMkLst>
@@ -763,7 +763,7 @@
         </pc:sldMkLst>
       </pc:sldChg>
       <pc:sldChg chg="modSp mod">
-        <pc:chgData name="JHEYSON FABIAN VILLAVISAN BUITRAGO" userId="e5ced5c2-d787-455d-b115-4f08a699b8c8" providerId="ADAL" clId="{3CBAB24D-24CD-4EF7-ADA3-B0C8AACED620}" dt="2025-01-04T23:15:26.310" v="50" actId="20577"/>
+        <pc:chgData name="JHEYSON FABIAN VILLAVISAN BUITRAGO" userId="e5ced5c2-d787-455d-b115-4f08a699b8c8" providerId="ADAL" clId="{3CBAB24D-24CD-4EF7-ADA3-B0C8AACED620}" dt="2025-01-08T16:22:33.461" v="54" actId="20577"/>
         <pc:sldMkLst>
           <pc:docMk/>
           <pc:sldMk cId="1406170200" sldId="281"/>
@@ -774,6 +774,14 @@
             <pc:docMk/>
             <pc:sldMk cId="1406170200" sldId="281"/>
             <ac:spMk id="2" creationId="{FB1B6180-BCA0-4F51-9F68-9E5BAB8A4FDC}"/>
+          </ac:spMkLst>
+        </pc:spChg>
+        <pc:spChg chg="mod">
+          <ac:chgData name="JHEYSON FABIAN VILLAVISAN BUITRAGO" userId="e5ced5c2-d787-455d-b115-4f08a699b8c8" providerId="ADAL" clId="{3CBAB24D-24CD-4EF7-ADA3-B0C8AACED620}" dt="2025-01-08T16:22:33.461" v="54" actId="20577"/>
+          <ac:spMkLst>
+            <pc:docMk/>
+            <pc:sldMk cId="1406170200" sldId="281"/>
+            <ac:spMk id="4" creationId="{A9A4A0C2-930C-0E2E-41F8-622F2BEB0F2A}"/>
           </ac:spMkLst>
         </pc:spChg>
         <pc:spChg chg="mod">
@@ -807,7 +815,7 @@
         </pc:sldMkLst>
       </pc:sldChg>
       <pc:sldChg chg="modSp mod">
-        <pc:chgData name="JHEYSON FABIAN VILLAVISAN BUITRAGO" userId="e5ced5c2-d787-455d-b115-4f08a699b8c8" providerId="ADAL" clId="{3CBAB24D-24CD-4EF7-ADA3-B0C8AACED620}" dt="2025-01-04T23:15:28.675" v="51" actId="20577"/>
+        <pc:chgData name="JHEYSON FABIAN VILLAVISAN BUITRAGO" userId="e5ced5c2-d787-455d-b115-4f08a699b8c8" providerId="ADAL" clId="{3CBAB24D-24CD-4EF7-ADA3-B0C8AACED620}" dt="2025-01-08T16:22:43.233" v="56" actId="20577"/>
         <pc:sldMkLst>
           <pc:docMk/>
           <pc:sldMk cId="2009991203" sldId="286"/>
@@ -818,6 +826,14 @@
             <pc:docMk/>
             <pc:sldMk cId="2009991203" sldId="286"/>
             <ac:spMk id="2" creationId="{FB1B6180-BCA0-4F51-9F68-9E5BAB8A4FDC}"/>
+          </ac:spMkLst>
+        </pc:spChg>
+        <pc:spChg chg="mod">
+          <ac:chgData name="JHEYSON FABIAN VILLAVISAN BUITRAGO" userId="e5ced5c2-d787-455d-b115-4f08a699b8c8" providerId="ADAL" clId="{3CBAB24D-24CD-4EF7-ADA3-B0C8AACED620}" dt="2025-01-08T16:22:43.233" v="56" actId="20577"/>
+          <ac:spMkLst>
+            <pc:docMk/>
+            <pc:sldMk cId="2009991203" sldId="286"/>
+            <ac:spMk id="4" creationId="{A9A4A0C2-930C-0E2E-41F8-622F2BEB0F2A}"/>
           </ac:spMkLst>
         </pc:spChg>
         <pc:spChg chg="mod">
@@ -843,27 +859,11 @@
           <pc:sldMk cId="2965408220" sldId="288"/>
         </pc:sldMkLst>
         <pc:spChg chg="add mod">
-          <ac:chgData name="JHEYSON FABIAN VILLAVISAN BUITRAGO" userId="e5ced5c2-d787-455d-b115-4f08a699b8c8" providerId="ADAL" clId="{3CBAB24D-24CD-4EF7-ADA3-B0C8AACED620}" dt="2025-01-04T23:15:03.967" v="41"/>
-          <ac:spMkLst>
-            <pc:docMk/>
-            <pc:sldMk cId="2965408220" sldId="288"/>
-            <ac:spMk id="2" creationId="{D2B462E8-0AE3-232A-6B48-16166D3F530F}"/>
-          </ac:spMkLst>
-        </pc:spChg>
-        <pc:spChg chg="add mod">
           <ac:chgData name="JHEYSON FABIAN VILLAVISAN BUITRAGO" userId="e5ced5c2-d787-455d-b115-4f08a699b8c8" providerId="ADAL" clId="{3CBAB24D-24CD-4EF7-ADA3-B0C8AACED620}" dt="2025-01-04T23:15:15.482" v="44"/>
           <ac:spMkLst>
             <pc:docMk/>
             <pc:sldMk cId="2965408220" sldId="288"/>
             <ac:spMk id="7" creationId="{AF7EF352-AB60-8713-979F-4C448C42F111}"/>
-          </ac:spMkLst>
-        </pc:spChg>
-        <pc:spChg chg="del">
-          <ac:chgData name="JHEYSON FABIAN VILLAVISAN BUITRAGO" userId="e5ced5c2-d787-455d-b115-4f08a699b8c8" providerId="ADAL" clId="{3CBAB24D-24CD-4EF7-ADA3-B0C8AACED620}" dt="2025-01-04T23:15:11.615" v="43" actId="478"/>
-          <ac:spMkLst>
-            <pc:docMk/>
-            <pc:sldMk cId="2965408220" sldId="288"/>
-            <ac:spMk id="8" creationId="{5932E3F1-24A7-A01F-0773-6237BD556E80}"/>
           </ac:spMkLst>
         </pc:spChg>
         <pc:spChg chg="mod">
@@ -880,14 +880,6 @@
             <pc:docMk/>
             <pc:sldMk cId="2965408220" sldId="288"/>
             <ac:graphicFrameMk id="3" creationId="{674EB332-90A8-52A5-68D7-6C6FB8DDBD00}"/>
-          </ac:graphicFrameMkLst>
-        </pc:graphicFrameChg>
-        <pc:graphicFrameChg chg="del modGraphic">
-          <ac:chgData name="JHEYSON FABIAN VILLAVISAN BUITRAGO" userId="e5ced5c2-d787-455d-b115-4f08a699b8c8" providerId="ADAL" clId="{3CBAB24D-24CD-4EF7-ADA3-B0C8AACED620}" dt="2025-01-04T23:15:02.831" v="40" actId="478"/>
-          <ac:graphicFrameMkLst>
-            <pc:docMk/>
-            <pc:sldMk cId="2965408220" sldId="288"/>
-            <ac:graphicFrameMk id="6" creationId="{EAFA30B9-B74F-C807-F5CF-91ADE1B5A28F}"/>
           </ac:graphicFrameMkLst>
         </pc:graphicFrameChg>
       </pc:sldChg>
@@ -1208,7 +1200,7 @@
               <a:pPr>
                 <a:defRPr/>
               </a:pPr>
-              <a:t>4/01/2025</a:t>
+              <a:t>8/01/2025</a:t>
             </a:fld>
             <a:endParaRPr lang="es-CO"/>
           </a:p>
@@ -1451,7 +1443,7 @@
               <a:pPr>
                 <a:defRPr/>
               </a:pPr>
-              <a:t>4/01/2025</a:t>
+              <a:t>8/01/2025</a:t>
             </a:fld>
             <a:endParaRPr lang="es-CO"/>
           </a:p>
@@ -2707,7 +2699,7 @@
           <a:p>
             <a:fld id="{9CF7635E-2D71-42E7-9E6C-FBB85A15A85F}" type="datetimeFigureOut">
               <a:rPr lang="es-CO" smtClean="0"/>
-              <a:t>4/01/2025</a:t>
+              <a:t>8/01/2025</a:t>
             </a:fld>
             <a:endParaRPr lang="es-CO"/>
           </a:p>
@@ -2973,7 +2965,7 @@
           <a:p>
             <a:fld id="{9CF7635E-2D71-42E7-9E6C-FBB85A15A85F}" type="datetimeFigureOut">
               <a:rPr lang="es-CO" smtClean="0"/>
-              <a:t>4/01/2025</a:t>
+              <a:t>8/01/2025</a:t>
             </a:fld>
             <a:endParaRPr lang="es-CO"/>
           </a:p>
@@ -3189,7 +3181,7 @@
           <a:p>
             <a:fld id="{9CF7635E-2D71-42E7-9E6C-FBB85A15A85F}" type="datetimeFigureOut">
               <a:rPr lang="es-CO" smtClean="0"/>
-              <a:t>4/01/2025</a:t>
+              <a:t>8/01/2025</a:t>
             </a:fld>
             <a:endParaRPr lang="es-CO"/>
           </a:p>
@@ -4818,7 +4810,7 @@
           <a:p>
             <a:fld id="{9CF7635E-2D71-42E7-9E6C-FBB85A15A85F}" type="datetimeFigureOut">
               <a:rPr lang="es-CO" smtClean="0"/>
-              <a:t>4/01/2025</a:t>
+              <a:t>8/01/2025</a:t>
             </a:fld>
             <a:endParaRPr lang="es-CO"/>
           </a:p>
@@ -5265,7 +5257,7 @@
           <a:p>
             <a:fld id="{9CF7635E-2D71-42E7-9E6C-FBB85A15A85F}" type="datetimeFigureOut">
               <a:rPr lang="es-CO" smtClean="0"/>
-              <a:t>4/01/2025</a:t>
+              <a:t>8/01/2025</a:t>
             </a:fld>
             <a:endParaRPr lang="es-CO"/>
           </a:p>
@@ -5539,7 +5531,7 @@
           <a:p>
             <a:fld id="{9CF7635E-2D71-42E7-9E6C-FBB85A15A85F}" type="datetimeFigureOut">
               <a:rPr lang="es-CO" smtClean="0"/>
-              <a:t>4/01/2025</a:t>
+              <a:t>8/01/2025</a:t>
             </a:fld>
             <a:endParaRPr lang="es-CO"/>
           </a:p>
@@ -5960,7 +5952,7 @@
           <a:p>
             <a:fld id="{9CF7635E-2D71-42E7-9E6C-FBB85A15A85F}" type="datetimeFigureOut">
               <a:rPr lang="es-CO" smtClean="0"/>
-              <a:t>4/01/2025</a:t>
+              <a:t>8/01/2025</a:t>
             </a:fld>
             <a:endParaRPr lang="es-CO"/>
           </a:p>
@@ -6108,7 +6100,7 @@
           <a:p>
             <a:fld id="{9CF7635E-2D71-42E7-9E6C-FBB85A15A85F}" type="datetimeFigureOut">
               <a:rPr lang="es-CO" smtClean="0"/>
-              <a:t>4/01/2025</a:t>
+              <a:t>8/01/2025</a:t>
             </a:fld>
             <a:endParaRPr lang="es-CO"/>
           </a:p>
@@ -6227,7 +6219,7 @@
           <a:p>
             <a:fld id="{9CF7635E-2D71-42E7-9E6C-FBB85A15A85F}" type="datetimeFigureOut">
               <a:rPr lang="es-CO" smtClean="0"/>
-              <a:t>4/01/2025</a:t>
+              <a:t>8/01/2025</a:t>
             </a:fld>
             <a:endParaRPr lang="es-CO"/>
           </a:p>
@@ -6546,7 +6538,7 @@
           <a:p>
             <a:fld id="{9CF7635E-2D71-42E7-9E6C-FBB85A15A85F}" type="datetimeFigureOut">
               <a:rPr lang="es-CO" smtClean="0"/>
-              <a:t>4/01/2025</a:t>
+              <a:t>8/01/2025</a:t>
             </a:fld>
             <a:endParaRPr lang="es-CO"/>
           </a:p>
@@ -6841,7 +6833,7 @@
           <a:p>
             <a:fld id="{9CF7635E-2D71-42E7-9E6C-FBB85A15A85F}" type="datetimeFigureOut">
               <a:rPr lang="es-CO" smtClean="0"/>
-              <a:t>4/01/2025</a:t>
+              <a:t>8/01/2025</a:t>
             </a:fld>
             <a:endParaRPr lang="es-CO"/>
           </a:p>
@@ -7090,7 +7082,7 @@
           <a:p>
             <a:fld id="{9CF7635E-2D71-42E7-9E6C-FBB85A15A85F}" type="datetimeFigureOut">
               <a:rPr lang="es-CO" smtClean="0"/>
-              <a:t>4/01/2025</a:t>
+              <a:t>8/01/2025</a:t>
             </a:fld>
             <a:endParaRPr lang="es-CO"/>
           </a:p>
@@ -13309,7 +13301,7 @@
         <p:spPr>
           <a:xfrm>
             <a:off x="795338" y="2121428"/>
-            <a:ext cx="7737102" cy="3970318"/>
+            <a:ext cx="7737102" cy="3693319"/>
           </a:xfrm>
           <a:prstGeom prst="rect">
             <a:avLst/>
@@ -13501,11 +13493,11 @@
             </a:r>
             <a:r>
               <a:rPr lang="en-US" dirty="0"/>
-              <a:t> table o </a:t>
+              <a:t> </a:t>
             </a:r>
             <a:r>
               <a:rPr lang="en-US" dirty="0" err="1"/>
-              <a:t>gráfica</a:t>
+              <a:t>tabla</a:t>
             </a:r>
             <a:r>
               <a:rPr lang="en-US" dirty="0"/>
@@ -14149,7 +14141,7 @@
             </a:pPr>
             <a:r>
               <a:rPr lang="es-ES" dirty="0"/>
-              <a:t>Transmita la canción de un microcontrolador a otro</a:t>
+              <a:t>Transmita la canción de un microcontrolador a otro.</a:t>
             </a:r>
           </a:p>
           <a:p>
@@ -14158,8 +14150,13 @@
             </a:pPr>
             <a:r>
               <a:rPr lang="es-ES" dirty="0"/>
-              <a:t>Reproduzca la canción en un PC 2</a:t>
-            </a:r>
+              <a:t>Reproduzca la canción en un </a:t>
+            </a:r>
+            <a:r>
+              <a:rPr lang="es-ES"/>
+              <a:t>PC 2.</a:t>
+            </a:r>
+            <a:endParaRPr lang="es-ES" dirty="0"/>
           </a:p>
           <a:p>
             <a:endParaRPr lang="es-ES" dirty="0"/>
@@ -15059,14 +15056,6 @@
 </file>
 
 <file path=customXml/item2.xml><?xml version="1.0" encoding="utf-8"?>
-<p:properties xmlns:p="http://schemas.microsoft.com/office/2006/metadata/properties" xmlns:xsi="http://www.w3.org/2001/XMLSchema-instance" xmlns:pc="http://schemas.microsoft.com/office/infopath/2007/PartnerControls">
-  <documentManagement>
-    <_activity xmlns="bdc56f61-abc0-4f7e-bfec-a93ccd1ae886" xsi:nil="true"/>
-  </documentManagement>
-</p:properties>
-</file>
-
-<file path=customXml/item3.xml><?xml version="1.0" encoding="utf-8"?>
 <ct:contentTypeSchema xmlns:ct="http://schemas.microsoft.com/office/2006/metadata/contentType" xmlns:ma="http://schemas.microsoft.com/office/2006/metadata/properties/metaAttributes" ct:_="" ma:_="" ma:contentTypeName="Documento" ma:contentTypeID="0x0101007A62137D465CE64A8C883A4664514BF8" ma:contentTypeVersion="15" ma:contentTypeDescription="Crear nuevo documento." ma:contentTypeScope="" ma:versionID="a1bd1d59f691eb9bca6952b111268275">
   <xsd:schema xmlns:xsd="http://www.w3.org/2001/XMLSchema" xmlns:xs="http://www.w3.org/2001/XMLSchema" xmlns:p="http://schemas.microsoft.com/office/2006/metadata/properties" xmlns:ns3="669280c1-d17e-4d1d-bd7f-b4f14cc6bf1d" xmlns:ns4="bdc56f61-abc0-4f7e-bfec-a93ccd1ae886" targetNamespace="http://schemas.microsoft.com/office/2006/metadata/properties" ma:root="true" ma:fieldsID="d02990a02f19f0f9fc7b999b1809cae4" ns3:_="" ns4:_="">
     <xsd:import namespace="669280c1-d17e-4d1d-bd7f-b4f14cc6bf1d"/>
@@ -15301,6 +15290,14 @@
 </ct:contentTypeSchema>
 </file>
 
+<file path=customXml/item3.xml><?xml version="1.0" encoding="utf-8"?>
+<p:properties xmlns:p="http://schemas.microsoft.com/office/2006/metadata/properties" xmlns:xsi="http://www.w3.org/2001/XMLSchema-instance" xmlns:pc="http://schemas.microsoft.com/office/infopath/2007/PartnerControls">
+  <documentManagement>
+    <_activity xmlns="bdc56f61-abc0-4f7e-bfec-a93ccd1ae886" xsi:nil="true"/>
+  </documentManagement>
+</p:properties>
+</file>
+
 <file path=customXml/itemProps1.xml><?xml version="1.0" encoding="utf-8"?>
 <ds:datastoreItem xmlns:ds="http://schemas.openxmlformats.org/officeDocument/2006/customXml" ds:itemID="{4E8623C8-32E1-48B0-9F0A-13F2E9582B7E}">
   <ds:schemaRefs>
@@ -15310,23 +15307,6 @@
 </file>
 
 <file path=customXml/itemProps2.xml><?xml version="1.0" encoding="utf-8"?>
-<ds:datastoreItem xmlns:ds="http://schemas.openxmlformats.org/officeDocument/2006/customXml" ds:itemID="{0825853C-1B27-4995-A583-4D39F900BB7F}">
-  <ds:schemaRefs>
-    <ds:schemaRef ds:uri="669280c1-d17e-4d1d-bd7f-b4f14cc6bf1d"/>
-    <ds:schemaRef ds:uri="bdc56f61-abc0-4f7e-bfec-a93ccd1ae886"/>
-    <ds:schemaRef ds:uri="http://purl.org/dc/dcmitype/"/>
-    <ds:schemaRef ds:uri="http://purl.org/dc/elements/1.1/"/>
-    <ds:schemaRef ds:uri="http://purl.org/dc/terms/"/>
-    <ds:schemaRef ds:uri="http://schemas.microsoft.com/office/2006/documentManagement/types"/>
-    <ds:schemaRef ds:uri="http://schemas.microsoft.com/office/2006/metadata/properties"/>
-    <ds:schemaRef ds:uri="http://schemas.microsoft.com/office/infopath/2007/PartnerControls"/>
-    <ds:schemaRef ds:uri="http://schemas.openxmlformats.org/package/2006/metadata/core-properties"/>
-    <ds:schemaRef ds:uri="http://www.w3.org/XML/1998/namespace"/>
-  </ds:schemaRefs>
-</ds:datastoreItem>
-</file>
-
-<file path=customXml/itemProps3.xml><?xml version="1.0" encoding="utf-8"?>
 <ds:datastoreItem xmlns:ds="http://schemas.openxmlformats.org/officeDocument/2006/customXml" ds:itemID="{025820C3-FD82-4EFC-BF14-EAF1F9613F52}">
   <ds:schemaRefs>
     <ds:schemaRef ds:uri="669280c1-d17e-4d1d-bd7f-b4f14cc6bf1d"/>
@@ -15343,4 +15323,21 @@
     <ds:schemaRef ds:uri="http://www.w3.org/2001/XMLSchema"/>
   </ds:schemaRefs>
 </ds:datastoreItem>
+</file>
+
+<file path=customXml/itemProps3.xml><?xml version="1.0" encoding="utf-8"?>
+<ds:datastoreItem xmlns:ds="http://schemas.openxmlformats.org/officeDocument/2006/customXml" ds:itemID="{0825853C-1B27-4995-A583-4D39F900BB7F}">
+  <ds:schemaRefs>
+    <ds:schemaRef ds:uri="669280c1-d17e-4d1d-bd7f-b4f14cc6bf1d"/>
+    <ds:schemaRef ds:uri="bdc56f61-abc0-4f7e-bfec-a93ccd1ae886"/>
+    <ds:schemaRef ds:uri="http://purl.org/dc/dcmitype/"/>
+    <ds:schemaRef ds:uri="http://purl.org/dc/elements/1.1/"/>
+    <ds:schemaRef ds:uri="http://purl.org/dc/terms/"/>
+    <ds:schemaRef ds:uri="http://schemas.microsoft.com/office/2006/documentManagement/types"/>
+    <ds:schemaRef ds:uri="http://schemas.microsoft.com/office/2006/metadata/properties"/>
+    <ds:schemaRef ds:uri="http://schemas.microsoft.com/office/infopath/2007/PartnerControls"/>
+    <ds:schemaRef ds:uri="http://schemas.openxmlformats.org/package/2006/metadata/core-properties"/>
+    <ds:schemaRef ds:uri="http://www.w3.org/XML/1998/namespace"/>
+  </ds:schemaRefs>
+</ds:datastoreItem>
 </file>